--- a/Module 5 - Object Oriented Design and C.pptx
+++ b/Module 5 - Object Oriented Design and C.pptx
@@ -8,11 +8,15 @@
     <p:sldId id="256" r:id="rId2"/>
     <p:sldId id="277" r:id="rId3"/>
     <p:sldId id="276" r:id="rId4"/>
-    <p:sldId id="279" r:id="rId5"/>
-    <p:sldId id="280" r:id="rId6"/>
-    <p:sldId id="281" r:id="rId7"/>
-    <p:sldId id="282" r:id="rId8"/>
-    <p:sldId id="283" r:id="rId9"/>
+    <p:sldId id="282" r:id="rId5"/>
+    <p:sldId id="287" r:id="rId6"/>
+    <p:sldId id="283" r:id="rId7"/>
+    <p:sldId id="279" r:id="rId8"/>
+    <p:sldId id="284" r:id="rId9"/>
+    <p:sldId id="285" r:id="rId10"/>
+    <p:sldId id="286" r:id="rId11"/>
+    <p:sldId id="288" r:id="rId12"/>
+    <p:sldId id="289" r:id="rId13"/>
   </p:sldIdLst>
   <p:sldSz cx="9144000" cy="6858000" type="screen4x3"/>
   <p:notesSz cx="6858000" cy="9144000"/>
@@ -309,7 +313,7 @@
           <a:p>
             <a:fld id="{543982D4-381D-4B7B-A1A5-B3B6E72EF21D}" type="datetimeFigureOut">
               <a:rPr lang="en-US" smtClean="0"/>
-              <a:t>7/13/2025</a:t>
+              <a:t>7/16/2025</a:t>
             </a:fld>
             <a:endParaRPr lang="en-US"/>
           </a:p>
@@ -477,7 +481,7 @@
           <a:p>
             <a:fld id="{543982D4-381D-4B7B-A1A5-B3B6E72EF21D}" type="datetimeFigureOut">
               <a:rPr lang="en-US" smtClean="0"/>
-              <a:t>7/13/2025</a:t>
+              <a:t>7/16/2025</a:t>
             </a:fld>
             <a:endParaRPr lang="en-US"/>
           </a:p>
@@ -655,7 +659,7 @@
           <a:p>
             <a:fld id="{543982D4-381D-4B7B-A1A5-B3B6E72EF21D}" type="datetimeFigureOut">
               <a:rPr lang="en-US" smtClean="0"/>
-              <a:t>7/13/2025</a:t>
+              <a:t>7/16/2025</a:t>
             </a:fld>
             <a:endParaRPr lang="en-US"/>
           </a:p>
@@ -823,7 +827,7 @@
           <a:p>
             <a:fld id="{543982D4-381D-4B7B-A1A5-B3B6E72EF21D}" type="datetimeFigureOut">
               <a:rPr lang="en-US" smtClean="0"/>
-              <a:t>7/13/2025</a:t>
+              <a:t>7/16/2025</a:t>
             </a:fld>
             <a:endParaRPr lang="en-US"/>
           </a:p>
@@ -1138,7 +1142,7 @@
           <a:p>
             <a:fld id="{543982D4-381D-4B7B-A1A5-B3B6E72EF21D}" type="datetimeFigureOut">
               <a:rPr lang="en-US" smtClean="0"/>
-              <a:t>7/13/2025</a:t>
+              <a:t>7/16/2025</a:t>
             </a:fld>
             <a:endParaRPr lang="en-US"/>
           </a:p>
@@ -1423,7 +1427,7 @@
           <a:p>
             <a:fld id="{543982D4-381D-4B7B-A1A5-B3B6E72EF21D}" type="datetimeFigureOut">
               <a:rPr lang="en-US" smtClean="0"/>
-              <a:t>7/13/2025</a:t>
+              <a:t>7/16/2025</a:t>
             </a:fld>
             <a:endParaRPr lang="en-US"/>
           </a:p>
@@ -1842,7 +1846,7 @@
           <a:p>
             <a:fld id="{543982D4-381D-4B7B-A1A5-B3B6E72EF21D}" type="datetimeFigureOut">
               <a:rPr lang="en-US" smtClean="0"/>
-              <a:t>7/13/2025</a:t>
+              <a:t>7/16/2025</a:t>
             </a:fld>
             <a:endParaRPr lang="en-US"/>
           </a:p>
@@ -1959,7 +1963,7 @@
           <a:p>
             <a:fld id="{543982D4-381D-4B7B-A1A5-B3B6E72EF21D}" type="datetimeFigureOut">
               <a:rPr lang="en-US" smtClean="0"/>
-              <a:t>7/13/2025</a:t>
+              <a:t>7/16/2025</a:t>
             </a:fld>
             <a:endParaRPr lang="en-US"/>
           </a:p>
@@ -2054,7 +2058,7 @@
           <a:p>
             <a:fld id="{543982D4-381D-4B7B-A1A5-B3B6E72EF21D}" type="datetimeFigureOut">
               <a:rPr lang="en-US" smtClean="0"/>
-              <a:t>7/13/2025</a:t>
+              <a:t>7/16/2025</a:t>
             </a:fld>
             <a:endParaRPr lang="en-US"/>
           </a:p>
@@ -2329,7 +2333,7 @@
           <a:p>
             <a:fld id="{543982D4-381D-4B7B-A1A5-B3B6E72EF21D}" type="datetimeFigureOut">
               <a:rPr lang="en-US" smtClean="0"/>
-              <a:t>7/13/2025</a:t>
+              <a:t>7/16/2025</a:t>
             </a:fld>
             <a:endParaRPr lang="en-US"/>
           </a:p>
@@ -2581,7 +2585,7 @@
           <a:p>
             <a:fld id="{543982D4-381D-4B7B-A1A5-B3B6E72EF21D}" type="datetimeFigureOut">
               <a:rPr lang="en-US" smtClean="0"/>
-              <a:t>7/13/2025</a:t>
+              <a:t>7/16/2025</a:t>
             </a:fld>
             <a:endParaRPr lang="en-US"/>
           </a:p>
@@ -2792,7 +2796,7 @@
           <a:p>
             <a:fld id="{543982D4-381D-4B7B-A1A5-B3B6E72EF21D}" type="datetimeFigureOut">
               <a:rPr lang="en-US" smtClean="0"/>
-              <a:t>7/13/2025</a:t>
+              <a:t>7/16/2025</a:t>
             </a:fld>
             <a:endParaRPr lang="en-US"/>
           </a:p>
@@ -3229,6 +3233,351 @@
 </p:sld>
 </file>
 
+<file path=ppt/slides/slide10.xml><?xml version="1.0" encoding="utf-8"?>
+<p:sld xmlns:a="http://schemas.openxmlformats.org/drawingml/2006/main" xmlns:r="http://schemas.openxmlformats.org/officeDocument/2006/relationships" xmlns:p="http://schemas.openxmlformats.org/presentationml/2006/main">
+  <p:cSld>
+    <p:spTree>
+      <p:nvGrpSpPr>
+        <p:cNvPr id="1" name="">
+          <a:extLst>
+            <a:ext uri="{FF2B5EF4-FFF2-40B4-BE49-F238E27FC236}">
+              <a16:creationId xmlns:a16="http://schemas.microsoft.com/office/drawing/2014/main" id="{B86EECCA-E80D-8529-4EBB-733043DF8EBD}"/>
+            </a:ext>
+          </a:extLst>
+        </p:cNvPr>
+        <p:cNvGrpSpPr/>
+        <p:nvPr/>
+      </p:nvGrpSpPr>
+      <p:grpSpPr>
+        <a:xfrm>
+          <a:off x="0" y="0"/>
+          <a:ext cx="0" cy="0"/>
+          <a:chOff x="0" y="0"/>
+          <a:chExt cx="0" cy="0"/>
+        </a:xfrm>
+      </p:grpSpPr>
+      <p:sp>
+        <p:nvSpPr>
+          <p:cNvPr id="6" name="Title 5">
+            <a:extLst>
+              <a:ext uri="{FF2B5EF4-FFF2-40B4-BE49-F238E27FC236}">
+                <a16:creationId xmlns:a16="http://schemas.microsoft.com/office/drawing/2014/main" id="{4EB1E54E-BCC5-E8F7-C115-70AF7D80E20E}"/>
+              </a:ext>
+            </a:extLst>
+          </p:cNvPr>
+          <p:cNvSpPr>
+            <a:spLocks noGrp="1"/>
+          </p:cNvSpPr>
+          <p:nvPr>
+            <p:ph type="title"/>
+          </p:nvPr>
+        </p:nvSpPr>
+        <p:spPr/>
+        <p:txBody>
+          <a:bodyPr/>
+          <a:lstStyle/>
+          <a:p>
+            <a:r>
+              <a:rPr lang="en-US" dirty="0"/>
+              <a:t>The </a:t>
+            </a:r>
+            <a:r>
+              <a:rPr lang="en-US" dirty="0" err="1"/>
+              <a:t>FileLogger</a:t>
+            </a:r>
+            <a:r>
+              <a:rPr lang="en-US" dirty="0"/>
+              <a:t> implementation</a:t>
+            </a:r>
+          </a:p>
+        </p:txBody>
+      </p:sp>
+      <p:pic>
+        <p:nvPicPr>
+          <p:cNvPr id="3" name="Picture 2">
+            <a:extLst>
+              <a:ext uri="{FF2B5EF4-FFF2-40B4-BE49-F238E27FC236}">
+                <a16:creationId xmlns:a16="http://schemas.microsoft.com/office/drawing/2014/main" id="{CC119B4C-1A0A-C0FE-CB1A-FBE103241042}"/>
+              </a:ext>
+            </a:extLst>
+          </p:cNvPr>
+          <p:cNvPicPr>
+            <a:picLocks noChangeAspect="1"/>
+          </p:cNvPicPr>
+          <p:nvPr/>
+        </p:nvPicPr>
+        <p:blipFill>
+          <a:blip r:embed="rId2"/>
+          <a:stretch>
+            <a:fillRect/>
+          </a:stretch>
+        </p:blipFill>
+        <p:spPr>
+          <a:xfrm>
+            <a:off x="304799" y="1586705"/>
+            <a:ext cx="8031833" cy="4433095"/>
+          </a:xfrm>
+          <a:prstGeom prst="rect">
+            <a:avLst/>
+          </a:prstGeom>
+        </p:spPr>
+      </p:pic>
+    </p:spTree>
+    <p:extLst>
+      <p:ext uri="{BB962C8B-B14F-4D97-AF65-F5344CB8AC3E}">
+        <p14:creationId xmlns:p14="http://schemas.microsoft.com/office/powerpoint/2010/main" val="2639532249"/>
+      </p:ext>
+    </p:extLst>
+  </p:cSld>
+  <p:clrMapOvr>
+    <a:masterClrMapping/>
+  </p:clrMapOvr>
+</p:sld>
+</file>
+
+<file path=ppt/slides/slide11.xml><?xml version="1.0" encoding="utf-8"?>
+<p:sld xmlns:a="http://schemas.openxmlformats.org/drawingml/2006/main" xmlns:r="http://schemas.openxmlformats.org/officeDocument/2006/relationships" xmlns:p="http://schemas.openxmlformats.org/presentationml/2006/main">
+  <p:cSld>
+    <p:spTree>
+      <p:nvGrpSpPr>
+        <p:cNvPr id="1" name="">
+          <a:extLst>
+            <a:ext uri="{FF2B5EF4-FFF2-40B4-BE49-F238E27FC236}">
+              <a16:creationId xmlns:a16="http://schemas.microsoft.com/office/drawing/2014/main" id="{75A84A49-4175-C5F0-3B73-C2CBF5BCBD3B}"/>
+            </a:ext>
+          </a:extLst>
+        </p:cNvPr>
+        <p:cNvGrpSpPr/>
+        <p:nvPr/>
+      </p:nvGrpSpPr>
+      <p:grpSpPr>
+        <a:xfrm>
+          <a:off x="0" y="0"/>
+          <a:ext cx="0" cy="0"/>
+          <a:chOff x="0" y="0"/>
+          <a:chExt cx="0" cy="0"/>
+        </a:xfrm>
+      </p:grpSpPr>
+      <p:sp>
+        <p:nvSpPr>
+          <p:cNvPr id="6" name="Title 5">
+            <a:extLst>
+              <a:ext uri="{FF2B5EF4-FFF2-40B4-BE49-F238E27FC236}">
+                <a16:creationId xmlns:a16="http://schemas.microsoft.com/office/drawing/2014/main" id="{52EC7B80-5D27-13EB-9809-459F38EF95CE}"/>
+              </a:ext>
+            </a:extLst>
+          </p:cNvPr>
+          <p:cNvSpPr>
+            <a:spLocks noGrp="1"/>
+          </p:cNvSpPr>
+          <p:nvPr>
+            <p:ph type="title"/>
+          </p:nvPr>
+        </p:nvSpPr>
+        <p:spPr/>
+        <p:txBody>
+          <a:bodyPr/>
+          <a:lstStyle/>
+          <a:p>
+            <a:r>
+              <a:rPr lang="en-US" dirty="0"/>
+              <a:t>Use like in C++</a:t>
+            </a:r>
+          </a:p>
+        </p:txBody>
+      </p:sp>
+      <p:pic>
+        <p:nvPicPr>
+          <p:cNvPr id="7" name="Picture 6">
+            <a:extLst>
+              <a:ext uri="{FF2B5EF4-FFF2-40B4-BE49-F238E27FC236}">
+                <a16:creationId xmlns:a16="http://schemas.microsoft.com/office/drawing/2014/main" id="{8DE32F61-6AEF-E2B8-D72D-F4A039E2DD16}"/>
+              </a:ext>
+            </a:extLst>
+          </p:cNvPr>
+          <p:cNvPicPr>
+            <a:picLocks noChangeAspect="1"/>
+          </p:cNvPicPr>
+          <p:nvPr/>
+        </p:nvPicPr>
+        <p:blipFill>
+          <a:blip r:embed="rId2"/>
+          <a:stretch>
+            <a:fillRect/>
+          </a:stretch>
+        </p:blipFill>
+        <p:spPr>
+          <a:xfrm>
+            <a:off x="304800" y="1524000"/>
+            <a:ext cx="5170618" cy="4419983"/>
+          </a:xfrm>
+          <a:prstGeom prst="rect">
+            <a:avLst/>
+          </a:prstGeom>
+          <a:ln w="6350">
+            <a:solidFill>
+              <a:schemeClr val="accent1"/>
+            </a:solidFill>
+          </a:ln>
+        </p:spPr>
+      </p:pic>
+      <p:pic>
+        <p:nvPicPr>
+          <p:cNvPr id="9" name="Picture 8">
+            <a:extLst>
+              <a:ext uri="{FF2B5EF4-FFF2-40B4-BE49-F238E27FC236}">
+                <a16:creationId xmlns:a16="http://schemas.microsoft.com/office/drawing/2014/main" id="{734B3432-3E5F-C388-EF00-3A866C959503}"/>
+              </a:ext>
+            </a:extLst>
+          </p:cNvPr>
+          <p:cNvPicPr>
+            <a:picLocks noChangeAspect="1"/>
+          </p:cNvPicPr>
+          <p:nvPr/>
+        </p:nvPicPr>
+        <p:blipFill>
+          <a:blip r:embed="rId3"/>
+          <a:stretch>
+            <a:fillRect/>
+          </a:stretch>
+        </p:blipFill>
+        <p:spPr>
+          <a:xfrm>
+            <a:off x="3046239" y="5478795"/>
+            <a:ext cx="5665961" cy="1143099"/>
+          </a:xfrm>
+          <a:prstGeom prst="rect">
+            <a:avLst/>
+          </a:prstGeom>
+          <a:ln w="6350">
+            <a:solidFill>
+              <a:schemeClr val="accent1"/>
+            </a:solidFill>
+          </a:ln>
+        </p:spPr>
+      </p:pic>
+    </p:spTree>
+    <p:extLst>
+      <p:ext uri="{BB962C8B-B14F-4D97-AF65-F5344CB8AC3E}">
+        <p14:creationId xmlns:p14="http://schemas.microsoft.com/office/powerpoint/2010/main" val="1939399422"/>
+      </p:ext>
+    </p:extLst>
+  </p:cSld>
+  <p:clrMapOvr>
+    <a:masterClrMapping/>
+  </p:clrMapOvr>
+</p:sld>
+</file>
+
+<file path=ppt/slides/slide12.xml><?xml version="1.0" encoding="utf-8"?>
+<p:sld xmlns:a="http://schemas.openxmlformats.org/drawingml/2006/main" xmlns:r="http://schemas.openxmlformats.org/officeDocument/2006/relationships" xmlns:p="http://schemas.openxmlformats.org/presentationml/2006/main">
+  <p:cSld>
+    <p:spTree>
+      <p:nvGrpSpPr>
+        <p:cNvPr id="1" name=""/>
+        <p:cNvGrpSpPr/>
+        <p:nvPr/>
+      </p:nvGrpSpPr>
+      <p:grpSpPr>
+        <a:xfrm>
+          <a:off x="0" y="0"/>
+          <a:ext cx="0" cy="0"/>
+          <a:chOff x="0" y="0"/>
+          <a:chExt cx="0" cy="0"/>
+        </a:xfrm>
+      </p:grpSpPr>
+      <p:sp>
+        <p:nvSpPr>
+          <p:cNvPr id="2" name="Title 1">
+            <a:extLst>
+              <a:ext uri="{FF2B5EF4-FFF2-40B4-BE49-F238E27FC236}">
+                <a16:creationId xmlns:a16="http://schemas.microsoft.com/office/drawing/2014/main" id="{CAA455E0-6232-3F2A-A371-0A48AEFEE350}"/>
+              </a:ext>
+            </a:extLst>
+          </p:cNvPr>
+          <p:cNvSpPr>
+            <a:spLocks noGrp="1"/>
+          </p:cNvSpPr>
+          <p:nvPr>
+            <p:ph type="title"/>
+          </p:nvPr>
+        </p:nvSpPr>
+        <p:spPr/>
+        <p:txBody>
+          <a:bodyPr/>
+          <a:lstStyle/>
+          <a:p>
+            <a:r>
+              <a:rPr lang="en-US" dirty="0"/>
+              <a:t>Summary</a:t>
+            </a:r>
+          </a:p>
+        </p:txBody>
+      </p:sp>
+      <p:sp>
+        <p:nvSpPr>
+          <p:cNvPr id="3" name="Content Placeholder 2">
+            <a:extLst>
+              <a:ext uri="{FF2B5EF4-FFF2-40B4-BE49-F238E27FC236}">
+                <a16:creationId xmlns:a16="http://schemas.microsoft.com/office/drawing/2014/main" id="{A2EFC68F-8704-A4D4-8C0C-461910FB5C52}"/>
+              </a:ext>
+            </a:extLst>
+          </p:cNvPr>
+          <p:cNvSpPr>
+            <a:spLocks noGrp="1"/>
+          </p:cNvSpPr>
+          <p:nvPr>
+            <p:ph idx="1"/>
+          </p:nvPr>
+        </p:nvSpPr>
+        <p:spPr/>
+        <p:txBody>
+          <a:bodyPr/>
+          <a:lstStyle/>
+          <a:p>
+            <a:r>
+              <a:rPr lang="en-US" dirty="0"/>
+              <a:t>The principles of OOD are useful in C too.</a:t>
+            </a:r>
+          </a:p>
+          <a:p>
+            <a:r>
+              <a:rPr lang="en-US" dirty="0"/>
+              <a:t>The problem is that you need to do a lot of work yourself, and also the compiler does not force you to write correctly.</a:t>
+            </a:r>
+          </a:p>
+          <a:p>
+            <a:r>
+              <a:rPr lang="en-US" dirty="0"/>
+              <a:t>Due to interop of C and C++ you can migrate incrementally (you can use shared </a:t>
+            </a:r>
+            <a:r>
+              <a:rPr lang="en-US"/>
+              <a:t>libraries to help here).</a:t>
+            </a:r>
+            <a:endParaRPr lang="en-US" dirty="0"/>
+          </a:p>
+          <a:p>
+            <a:endParaRPr lang="en-US" dirty="0"/>
+          </a:p>
+          <a:p>
+            <a:endParaRPr lang="en-US" dirty="0"/>
+          </a:p>
+        </p:txBody>
+      </p:sp>
+    </p:spTree>
+    <p:extLst>
+      <p:ext uri="{BB962C8B-B14F-4D97-AF65-F5344CB8AC3E}">
+        <p14:creationId xmlns:p14="http://schemas.microsoft.com/office/powerpoint/2010/main" val="100232588"/>
+      </p:ext>
+    </p:extLst>
+  </p:cSld>
+  <p:clrMapOvr>
+    <a:masterClrMapping/>
+  </p:clrMapOvr>
+</p:sld>
+</file>
+
 <file path=ppt/slides/slide2.xml><?xml version="1.0" encoding="utf-8"?>
 <p:sld xmlns:a="http://schemas.openxmlformats.org/drawingml/2006/main" xmlns:r="http://schemas.openxmlformats.org/officeDocument/2006/relationships" xmlns:p="http://schemas.openxmlformats.org/presentationml/2006/main">
   <p:cSld>
@@ -3425,19 +3774,13 @@
           <a:p>
             <a:r>
               <a:rPr lang="en-US" dirty="0"/>
-              <a:t>Defining an object in C</a:t>
+              <a:t>C and C++ interoperability</a:t>
             </a:r>
           </a:p>
           <a:p>
             <a:r>
               <a:rPr lang="en-US" dirty="0"/>
-              <a:t>Abstractions and interfaces</a:t>
-            </a:r>
-          </a:p>
-          <a:p>
-            <a:r>
-              <a:rPr lang="en-US" dirty="0"/>
-              <a:t>Working with callbacks that have contexts</a:t>
+              <a:t>A gradual migration to C++</a:t>
             </a:r>
           </a:p>
           <a:p>
@@ -3453,7 +3796,16 @@
             </a:r>
           </a:p>
           <a:p>
-            <a:endParaRPr lang="en-US" dirty="0"/>
+            <a:r>
+              <a:rPr lang="en-US" dirty="0"/>
+              <a:t>Defining an object in C</a:t>
+            </a:r>
+          </a:p>
+          <a:p>
+            <a:r>
+              <a:rPr lang="en-US" dirty="0"/>
+              <a:t>Interfaces in C</a:t>
+            </a:r>
           </a:p>
           <a:p>
             <a:endParaRPr lang="en-US" dirty="0"/>
@@ -3477,6 +3829,479 @@
 </file>
 
 <file path=ppt/slides/slide4.xml><?xml version="1.0" encoding="utf-8"?>
+<p:sld xmlns:a="http://schemas.openxmlformats.org/drawingml/2006/main" xmlns:r="http://schemas.openxmlformats.org/officeDocument/2006/relationships" xmlns:p="http://schemas.openxmlformats.org/presentationml/2006/main">
+  <p:cSld>
+    <p:spTree>
+      <p:nvGrpSpPr>
+        <p:cNvPr id="1" name="">
+          <a:extLst>
+            <a:ext uri="{FF2B5EF4-FFF2-40B4-BE49-F238E27FC236}">
+              <a16:creationId xmlns:a16="http://schemas.microsoft.com/office/drawing/2014/main" id="{1C28A86F-FE99-09A3-D8A2-B7AAA4270A3E}"/>
+            </a:ext>
+          </a:extLst>
+        </p:cNvPr>
+        <p:cNvGrpSpPr/>
+        <p:nvPr/>
+      </p:nvGrpSpPr>
+      <p:grpSpPr>
+        <a:xfrm>
+          <a:off x="0" y="0"/>
+          <a:ext cx="0" cy="0"/>
+          <a:chOff x="0" y="0"/>
+          <a:chExt cx="0" cy="0"/>
+        </a:xfrm>
+      </p:grpSpPr>
+      <p:sp>
+        <p:nvSpPr>
+          <p:cNvPr id="2" name="Title 1">
+            <a:extLst>
+              <a:ext uri="{FF2B5EF4-FFF2-40B4-BE49-F238E27FC236}">
+                <a16:creationId xmlns:a16="http://schemas.microsoft.com/office/drawing/2014/main" id="{00880EDA-A495-E0B6-86B8-A193D8DABB45}"/>
+              </a:ext>
+            </a:extLst>
+          </p:cNvPr>
+          <p:cNvSpPr>
+            <a:spLocks noGrp="1"/>
+          </p:cNvSpPr>
+          <p:nvPr>
+            <p:ph type="title"/>
+          </p:nvPr>
+        </p:nvSpPr>
+        <p:spPr>
+          <a:xfrm>
+            <a:off x="457200" y="274638"/>
+            <a:ext cx="8229600" cy="1143000"/>
+          </a:xfrm>
+        </p:spPr>
+        <p:txBody>
+          <a:bodyPr>
+            <a:normAutofit/>
+          </a:bodyPr>
+          <a:lstStyle/>
+          <a:p>
+            <a:r>
+              <a:rPr lang="en-US" dirty="0"/>
+              <a:t>Interop</a:t>
+            </a:r>
+          </a:p>
+        </p:txBody>
+      </p:sp>
+      <p:sp>
+        <p:nvSpPr>
+          <p:cNvPr id="5" name="Content Placeholder 4">
+            <a:extLst>
+              <a:ext uri="{FF2B5EF4-FFF2-40B4-BE49-F238E27FC236}">
+                <a16:creationId xmlns:a16="http://schemas.microsoft.com/office/drawing/2014/main" id="{4CD091E2-4343-50B0-DBA1-524285FF771E}"/>
+              </a:ext>
+            </a:extLst>
+          </p:cNvPr>
+          <p:cNvSpPr>
+            <a:spLocks noGrp="1"/>
+          </p:cNvSpPr>
+          <p:nvPr>
+            <p:ph idx="1"/>
+          </p:nvPr>
+        </p:nvSpPr>
+        <p:spPr/>
+        <p:txBody>
+          <a:bodyPr>
+            <a:normAutofit/>
+          </a:bodyPr>
+          <a:lstStyle/>
+          <a:p>
+            <a:r>
+              <a:rPr lang="en-US" dirty="0"/>
+              <a:t>C++ is a superset of C the two languages can be used in the same project (executable, shared library).</a:t>
+            </a:r>
+          </a:p>
+          <a:p>
+            <a:r>
+              <a:rPr lang="en-US" dirty="0"/>
+              <a:t>This makes it easy to migrate a C project to C++ in small steps.</a:t>
+            </a:r>
+          </a:p>
+        </p:txBody>
+      </p:sp>
+    </p:spTree>
+    <p:extLst>
+      <p:ext uri="{BB962C8B-B14F-4D97-AF65-F5344CB8AC3E}">
+        <p14:creationId xmlns:p14="http://schemas.microsoft.com/office/powerpoint/2010/main" val="2373936335"/>
+      </p:ext>
+    </p:extLst>
+  </p:cSld>
+  <p:clrMapOvr>
+    <a:masterClrMapping/>
+  </p:clrMapOvr>
+</p:sld>
+</file>
+
+<file path=ppt/slides/slide5.xml><?xml version="1.0" encoding="utf-8"?>
+<p:sld xmlns:a="http://schemas.openxmlformats.org/drawingml/2006/main" xmlns:r="http://schemas.openxmlformats.org/officeDocument/2006/relationships" xmlns:p="http://schemas.openxmlformats.org/presentationml/2006/main">
+  <p:cSld>
+    <p:spTree>
+      <p:nvGrpSpPr>
+        <p:cNvPr id="1" name="">
+          <a:extLst>
+            <a:ext uri="{FF2B5EF4-FFF2-40B4-BE49-F238E27FC236}">
+              <a16:creationId xmlns:a16="http://schemas.microsoft.com/office/drawing/2014/main" id="{8264A13A-C876-9C12-37BB-478C939A08E4}"/>
+            </a:ext>
+          </a:extLst>
+        </p:cNvPr>
+        <p:cNvGrpSpPr/>
+        <p:nvPr/>
+      </p:nvGrpSpPr>
+      <p:grpSpPr>
+        <a:xfrm>
+          <a:off x="0" y="0"/>
+          <a:ext cx="0" cy="0"/>
+          <a:chOff x="0" y="0"/>
+          <a:chExt cx="0" cy="0"/>
+        </a:xfrm>
+      </p:grpSpPr>
+      <p:sp>
+        <p:nvSpPr>
+          <p:cNvPr id="2" name="Title 1">
+            <a:extLst>
+              <a:ext uri="{FF2B5EF4-FFF2-40B4-BE49-F238E27FC236}">
+                <a16:creationId xmlns:a16="http://schemas.microsoft.com/office/drawing/2014/main" id="{1EB6F0DD-726D-1DEB-BE8E-8CDE93DCD284}"/>
+              </a:ext>
+            </a:extLst>
+          </p:cNvPr>
+          <p:cNvSpPr>
+            <a:spLocks noGrp="1"/>
+          </p:cNvSpPr>
+          <p:nvPr>
+            <p:ph type="title"/>
+          </p:nvPr>
+        </p:nvSpPr>
+        <p:spPr>
+          <a:xfrm>
+            <a:off x="457200" y="274638"/>
+            <a:ext cx="8229600" cy="1143000"/>
+          </a:xfrm>
+        </p:spPr>
+        <p:txBody>
+          <a:bodyPr>
+            <a:normAutofit/>
+          </a:bodyPr>
+          <a:lstStyle/>
+          <a:p>
+            <a:r>
+              <a:rPr lang="en-US" dirty="0"/>
+              <a:t>Calling C code from C++</a:t>
+            </a:r>
+          </a:p>
+        </p:txBody>
+      </p:sp>
+      <p:sp>
+        <p:nvSpPr>
+          <p:cNvPr id="5" name="Content Placeholder 4">
+            <a:extLst>
+              <a:ext uri="{FF2B5EF4-FFF2-40B4-BE49-F238E27FC236}">
+                <a16:creationId xmlns:a16="http://schemas.microsoft.com/office/drawing/2014/main" id="{0A30C81E-3146-405A-2678-858ED67DCFD5}"/>
+              </a:ext>
+            </a:extLst>
+          </p:cNvPr>
+          <p:cNvSpPr>
+            <a:spLocks noGrp="1"/>
+          </p:cNvSpPr>
+          <p:nvPr>
+            <p:ph idx="1"/>
+          </p:nvPr>
+        </p:nvSpPr>
+        <p:spPr/>
+        <p:txBody>
+          <a:bodyPr>
+            <a:normAutofit/>
+          </a:bodyPr>
+          <a:lstStyle/>
+          <a:p>
+            <a:r>
+              <a:rPr lang="en-US" dirty="0"/>
+              <a:t>In C++ function names are not what they seem.</a:t>
+            </a:r>
+          </a:p>
+          <a:p>
+            <a:r>
+              <a:rPr lang="en-US" dirty="0"/>
+              <a:t>They are mangled to include information about the arguments and their types.</a:t>
+            </a:r>
+          </a:p>
+          <a:p>
+            <a:r>
+              <a:rPr lang="en-US" dirty="0"/>
+              <a:t>You can prevent the compiler from mangling names using extern “C” {}</a:t>
+            </a:r>
+          </a:p>
+          <a:p>
+            <a:r>
+              <a:rPr lang="en-US" dirty="0"/>
+              <a:t>To call the functions in </a:t>
+            </a:r>
+            <a:r>
+              <a:rPr lang="en-US" dirty="0" err="1"/>
+              <a:t>c.h</a:t>
+            </a:r>
+            <a:r>
+              <a:rPr lang="en-US" dirty="0"/>
+              <a:t> from </a:t>
+            </a:r>
+            <a:r>
+              <a:rPr lang="en-US" dirty="0" err="1"/>
+              <a:t>c++</a:t>
+            </a:r>
+            <a:r>
+              <a:rPr lang="en-US" dirty="0"/>
+              <a:t> you need to wrap the inclusion of </a:t>
+            </a:r>
+            <a:r>
+              <a:rPr lang="en-US" dirty="0" err="1"/>
+              <a:t>c.h</a:t>
+            </a:r>
+            <a:r>
+              <a:rPr lang="en-US" dirty="0"/>
+              <a:t> with extern “C” {}</a:t>
+            </a:r>
+          </a:p>
+        </p:txBody>
+      </p:sp>
+    </p:spTree>
+    <p:extLst>
+      <p:ext uri="{BB962C8B-B14F-4D97-AF65-F5344CB8AC3E}">
+        <p14:creationId xmlns:p14="http://schemas.microsoft.com/office/powerpoint/2010/main" val="1779581690"/>
+      </p:ext>
+    </p:extLst>
+  </p:cSld>
+  <p:clrMapOvr>
+    <a:masterClrMapping/>
+  </p:clrMapOvr>
+</p:sld>
+</file>
+
+<file path=ppt/slides/slide6.xml><?xml version="1.0" encoding="utf-8"?>
+<p:sld xmlns:a="http://schemas.openxmlformats.org/drawingml/2006/main" xmlns:r="http://schemas.openxmlformats.org/officeDocument/2006/relationships" xmlns:p="http://schemas.openxmlformats.org/presentationml/2006/main">
+  <p:cSld>
+    <p:spTree>
+      <p:nvGrpSpPr>
+        <p:cNvPr id="1" name="">
+          <a:extLst>
+            <a:ext uri="{FF2B5EF4-FFF2-40B4-BE49-F238E27FC236}">
+              <a16:creationId xmlns:a16="http://schemas.microsoft.com/office/drawing/2014/main" id="{C744158F-E198-56AD-69BD-2C9F1A45ACC1}"/>
+            </a:ext>
+          </a:extLst>
+        </p:cNvPr>
+        <p:cNvGrpSpPr/>
+        <p:nvPr/>
+      </p:nvGrpSpPr>
+      <p:grpSpPr>
+        <a:xfrm>
+          <a:off x="0" y="0"/>
+          <a:ext cx="0" cy="0"/>
+          <a:chOff x="0" y="0"/>
+          <a:chExt cx="0" cy="0"/>
+        </a:xfrm>
+      </p:grpSpPr>
+      <p:sp>
+        <p:nvSpPr>
+          <p:cNvPr id="2" name="Title 1">
+            <a:extLst>
+              <a:ext uri="{FF2B5EF4-FFF2-40B4-BE49-F238E27FC236}">
+                <a16:creationId xmlns:a16="http://schemas.microsoft.com/office/drawing/2014/main" id="{EE1BA216-37BB-9B82-9AA5-59A617888DAE}"/>
+              </a:ext>
+            </a:extLst>
+          </p:cNvPr>
+          <p:cNvSpPr>
+            <a:spLocks noGrp="1"/>
+          </p:cNvSpPr>
+          <p:nvPr>
+            <p:ph type="title"/>
+          </p:nvPr>
+        </p:nvSpPr>
+        <p:spPr>
+          <a:xfrm>
+            <a:off x="457200" y="274638"/>
+            <a:ext cx="8229600" cy="1143000"/>
+          </a:xfrm>
+        </p:spPr>
+        <p:txBody>
+          <a:bodyPr/>
+          <a:lstStyle/>
+          <a:p>
+            <a:r>
+              <a:rPr lang="en-US" dirty="0"/>
+              <a:t>Calling C++ code from C</a:t>
+            </a:r>
+          </a:p>
+        </p:txBody>
+      </p:sp>
+      <p:sp>
+        <p:nvSpPr>
+          <p:cNvPr id="3" name="Content Placeholder 2">
+            <a:extLst>
+              <a:ext uri="{FF2B5EF4-FFF2-40B4-BE49-F238E27FC236}">
+                <a16:creationId xmlns:a16="http://schemas.microsoft.com/office/drawing/2014/main" id="{D35ED43E-8D5D-7388-89E3-64E9F652EB2B}"/>
+              </a:ext>
+            </a:extLst>
+          </p:cNvPr>
+          <p:cNvSpPr>
+            <a:spLocks noGrp="1"/>
+          </p:cNvSpPr>
+          <p:nvPr>
+            <p:ph idx="1"/>
+          </p:nvPr>
+        </p:nvSpPr>
+        <p:spPr>
+          <a:xfrm>
+            <a:off x="452967" y="1600200"/>
+            <a:ext cx="8229600" cy="4525963"/>
+          </a:xfrm>
+        </p:spPr>
+        <p:txBody>
+          <a:bodyPr>
+            <a:normAutofit/>
+          </a:bodyPr>
+          <a:lstStyle/>
+          <a:p>
+            <a:r>
+              <a:rPr lang="en-US" dirty="0"/>
+              <a:t>For the same reason, you can only call a C++ method from C if it is not name-mangled (or you know it mangled name).</a:t>
+            </a:r>
+          </a:p>
+          <a:p>
+            <a:r>
+              <a:rPr lang="en-US" dirty="0"/>
+              <a:t>For C++ methods wrap the declaration in the header and the implementation in extern “C”</a:t>
+            </a:r>
+          </a:p>
+          <a:p>
+            <a:r>
+              <a:rPr lang="en-US" dirty="0"/>
+              <a:t>As extern “C” is invalid syntax in C, wrap its use with ifdef __</a:t>
+            </a:r>
+            <a:r>
+              <a:rPr lang="en-US" dirty="0" err="1"/>
+              <a:t>cplusplus</a:t>
+            </a:r>
+            <a:endParaRPr lang="en-US" dirty="0"/>
+          </a:p>
+        </p:txBody>
+      </p:sp>
+      <p:sp>
+        <p:nvSpPr>
+          <p:cNvPr id="4" name="Rectangle 1">
+            <a:extLst>
+              <a:ext uri="{FF2B5EF4-FFF2-40B4-BE49-F238E27FC236}">
+                <a16:creationId xmlns:a16="http://schemas.microsoft.com/office/drawing/2014/main" id="{53B98506-173F-F0A9-A17C-56960850A4F0}"/>
+              </a:ext>
+            </a:extLst>
+          </p:cNvPr>
+          <p:cNvSpPr>
+            <a:spLocks noChangeArrowheads="1"/>
+          </p:cNvSpPr>
+          <p:nvPr/>
+        </p:nvSpPr>
+        <p:spPr bwMode="auto">
+          <a:xfrm>
+            <a:off x="-4233" y="0"/>
+            <a:ext cx="9144000" cy="457200"/>
+          </a:xfrm>
+          <a:prstGeom prst="rect">
+            <a:avLst/>
+          </a:prstGeom>
+          <a:solidFill>
+            <a:srgbClr val="FFFFFF"/>
+          </a:solidFill>
+          <a:ln>
+            <a:noFill/>
+          </a:ln>
+          <a:effectLst/>
+          <a:extLst>
+            <a:ext uri="{91240B29-F687-4F45-9708-019B960494DF}">
+              <a14:hiddenLine xmlns:a14="http://schemas.microsoft.com/office/drawing/2010/main" w="9525">
+                <a:solidFill>
+                  <a:schemeClr val="tx1"/>
+                </a:solidFill>
+                <a:miter lim="800000"/>
+                <a:headEnd/>
+                <a:tailEnd/>
+              </a14:hiddenLine>
+            </a:ext>
+            <a:ext uri="{AF507438-7753-43E0-B8FC-AC1667EBCBE1}">
+              <a14:hiddenEffects xmlns:a14="http://schemas.microsoft.com/office/drawing/2010/main">
+                <a:effectLst>
+                  <a:outerShdw dist="35921" dir="2700000" algn="ctr" rotWithShape="0">
+                    <a:schemeClr val="bg2"/>
+                  </a:outerShdw>
+                </a:effectLst>
+              </a14:hiddenEffects>
+            </a:ext>
+          </a:extLst>
+        </p:spPr>
+        <p:txBody>
+          <a:bodyPr vert="horz" wrap="none" lIns="91440" tIns="45720" rIns="91440" bIns="45720" numCol="1" anchor="ctr" anchorCtr="0" compatLnSpc="1">
+            <a:prstTxWarp prst="textNoShape">
+              <a:avLst/>
+            </a:prstTxWarp>
+            <a:spAutoFit/>
+          </a:bodyPr>
+          <a:lstStyle/>
+          <a:p>
+            <a:pPr marL="0" marR="0" lvl="0" indent="0" algn="l" defTabSz="914400" rtl="0" eaLnBrk="0" fontAlgn="base" latinLnBrk="0" hangingPunct="0">
+              <a:lnSpc>
+                <a:spcPct val="100000"/>
+              </a:lnSpc>
+              <a:spcBef>
+                <a:spcPct val="0"/>
+              </a:spcBef>
+              <a:spcAft>
+                <a:spcPct val="0"/>
+              </a:spcAft>
+              <a:buClrTx/>
+              <a:buSzTx/>
+              <a:buFontTx/>
+              <a:buNone/>
+              <a:tabLst/>
+            </a:pPr>
+            <a:r>
+              <a:rPr kumimoji="0" lang="en-US" altLang="en-US" sz="900" b="0" i="0" u="none" strike="noStrike" cap="none" normalizeH="0" baseline="0">
+                <a:ln>
+                  <a:noFill/>
+                </a:ln>
+                <a:solidFill>
+                  <a:srgbClr val="000000"/>
+                </a:solidFill>
+                <a:effectLst/>
+                <a:latin typeface="JetBrains Mono"/>
+              </a:rPr>
+              <a:t>__cplusplus</a:t>
+            </a:r>
+            <a:endParaRPr kumimoji="0" lang="en-US" altLang="en-US" sz="1800" b="0" i="0" u="none" strike="noStrike" cap="none" normalizeH="0" baseline="0">
+              <a:ln>
+                <a:noFill/>
+              </a:ln>
+              <a:solidFill>
+                <a:schemeClr val="tx1"/>
+              </a:solidFill>
+              <a:effectLst/>
+              <a:latin typeface="Arial" panose="020B0604020202020204" pitchFamily="34" charset="0"/>
+            </a:endParaRPr>
+          </a:p>
+        </p:txBody>
+      </p:sp>
+    </p:spTree>
+    <p:extLst>
+      <p:ext uri="{BB962C8B-B14F-4D97-AF65-F5344CB8AC3E}">
+        <p14:creationId xmlns:p14="http://schemas.microsoft.com/office/powerpoint/2010/main" val="1642054158"/>
+      </p:ext>
+    </p:extLst>
+  </p:cSld>
+  <p:clrMapOvr>
+    <a:masterClrMapping/>
+  </p:clrMapOvr>
+</p:sld>
+</file>
+
+<file path=ppt/slides/slide7.xml><?xml version="1.0" encoding="utf-8"?>
 <p:sld xmlns:a="http://schemas.openxmlformats.org/drawingml/2006/main" xmlns:r="http://schemas.openxmlformats.org/officeDocument/2006/relationships" xmlns:p="http://schemas.openxmlformats.org/presentationml/2006/main">
   <p:cSld>
     <p:spTree>
@@ -3556,7 +4381,7 @@
         </p:spPr>
         <p:txBody>
           <a:bodyPr>
-            <a:normAutofit fontScale="92500" lnSpcReduction="20000"/>
+            <a:normAutofit fontScale="85000" lnSpcReduction="20000"/>
           </a:bodyPr>
           <a:lstStyle/>
           <a:p>
@@ -3593,6 +4418,12 @@
             <a:r>
               <a:rPr lang="en-US" dirty="0"/>
               <a:t>In the source file mark the methods you want private as static.</a:t>
+            </a:r>
+          </a:p>
+          <a:p>
+            <a:r>
+              <a:rPr lang="en-US" dirty="0"/>
+              <a:t>You can define an interface as a struct containing pointers to functions.</a:t>
             </a:r>
           </a:p>
           <a:p>
@@ -3604,359 +4435,6 @@
     <p:extLst>
       <p:ext uri="{BB962C8B-B14F-4D97-AF65-F5344CB8AC3E}">
         <p14:creationId xmlns:p14="http://schemas.microsoft.com/office/powerpoint/2010/main" val="67244314"/>
-      </p:ext>
-    </p:extLst>
-  </p:cSld>
-  <p:clrMapOvr>
-    <a:masterClrMapping/>
-  </p:clrMapOvr>
-</p:sld>
-</file>
-
-<file path=ppt/slides/slide5.xml><?xml version="1.0" encoding="utf-8"?>
-<p:sld xmlns:a="http://schemas.openxmlformats.org/drawingml/2006/main" xmlns:r="http://schemas.openxmlformats.org/officeDocument/2006/relationships" xmlns:p="http://schemas.openxmlformats.org/presentationml/2006/main">
-  <p:cSld>
-    <p:spTree>
-      <p:nvGrpSpPr>
-        <p:cNvPr id="1" name="">
-          <a:extLst>
-            <a:ext uri="{FF2B5EF4-FFF2-40B4-BE49-F238E27FC236}">
-              <a16:creationId xmlns:a16="http://schemas.microsoft.com/office/drawing/2014/main" id="{84FB4240-5100-2176-92ED-9888C2DDCDCA}"/>
-            </a:ext>
-          </a:extLst>
-        </p:cNvPr>
-        <p:cNvGrpSpPr/>
-        <p:nvPr/>
-      </p:nvGrpSpPr>
-      <p:grpSpPr>
-        <a:xfrm>
-          <a:off x="0" y="0"/>
-          <a:ext cx="0" cy="0"/>
-          <a:chOff x="0" y="0"/>
-          <a:chExt cx="0" cy="0"/>
-        </a:xfrm>
-      </p:grpSpPr>
-      <p:sp>
-        <p:nvSpPr>
-          <p:cNvPr id="2" name="Title 1">
-            <a:extLst>
-              <a:ext uri="{FF2B5EF4-FFF2-40B4-BE49-F238E27FC236}">
-                <a16:creationId xmlns:a16="http://schemas.microsoft.com/office/drawing/2014/main" id="{54D2C8BA-E329-7207-80B8-872C24B7ED56}"/>
-              </a:ext>
-            </a:extLst>
-          </p:cNvPr>
-          <p:cNvSpPr>
-            <a:spLocks noGrp="1"/>
-          </p:cNvSpPr>
-          <p:nvPr>
-            <p:ph type="title"/>
-          </p:nvPr>
-        </p:nvSpPr>
-        <p:spPr>
-          <a:xfrm>
-            <a:off x="457200" y="274638"/>
-            <a:ext cx="8229600" cy="1143000"/>
-          </a:xfrm>
-        </p:spPr>
-        <p:txBody>
-          <a:bodyPr/>
-          <a:lstStyle/>
-          <a:p>
-            <a:r>
-              <a:rPr lang="en-US" dirty="0"/>
-              <a:t>Abstractions and interfaces</a:t>
-            </a:r>
-          </a:p>
-        </p:txBody>
-      </p:sp>
-      <p:sp>
-        <p:nvSpPr>
-          <p:cNvPr id="3" name="Content Placeholder 2">
-            <a:extLst>
-              <a:ext uri="{FF2B5EF4-FFF2-40B4-BE49-F238E27FC236}">
-                <a16:creationId xmlns:a16="http://schemas.microsoft.com/office/drawing/2014/main" id="{5AFC4EC6-B549-48B4-8E94-D64455989AFF}"/>
-              </a:ext>
-            </a:extLst>
-          </p:cNvPr>
-          <p:cNvSpPr>
-            <a:spLocks noGrp="1"/>
-          </p:cNvSpPr>
-          <p:nvPr>
-            <p:ph idx="1"/>
-          </p:nvPr>
-        </p:nvSpPr>
-        <p:spPr>
-          <a:xfrm>
-            <a:off x="457200" y="1600200"/>
-            <a:ext cx="8229600" cy="4525963"/>
-          </a:xfrm>
-        </p:spPr>
-        <p:txBody>
-          <a:bodyPr>
-            <a:normAutofit/>
-          </a:bodyPr>
-          <a:lstStyle/>
-          <a:p>
-            <a:r>
-              <a:rPr lang="en-US" dirty="0"/>
-              <a:t>You can define an interface as a struct with fields that are function pointers.</a:t>
-            </a:r>
-          </a:p>
-          <a:p>
-            <a:endParaRPr lang="en-US" dirty="0"/>
-          </a:p>
-        </p:txBody>
-      </p:sp>
-    </p:spTree>
-    <p:extLst>
-      <p:ext uri="{BB962C8B-B14F-4D97-AF65-F5344CB8AC3E}">
-        <p14:creationId xmlns:p14="http://schemas.microsoft.com/office/powerpoint/2010/main" val="3217045915"/>
-      </p:ext>
-    </p:extLst>
-  </p:cSld>
-  <p:clrMapOvr>
-    <a:masterClrMapping/>
-  </p:clrMapOvr>
-</p:sld>
-</file>
-
-<file path=ppt/slides/slide6.xml><?xml version="1.0" encoding="utf-8"?>
-<p:sld xmlns:a="http://schemas.openxmlformats.org/drawingml/2006/main" xmlns:r="http://schemas.openxmlformats.org/officeDocument/2006/relationships" xmlns:p="http://schemas.openxmlformats.org/presentationml/2006/main">
-  <p:cSld>
-    <p:spTree>
-      <p:nvGrpSpPr>
-        <p:cNvPr id="1" name="">
-          <a:extLst>
-            <a:ext uri="{FF2B5EF4-FFF2-40B4-BE49-F238E27FC236}">
-              <a16:creationId xmlns:a16="http://schemas.microsoft.com/office/drawing/2014/main" id="{ED733699-E658-F5FA-4CAF-F24089605DC5}"/>
-            </a:ext>
-          </a:extLst>
-        </p:cNvPr>
-        <p:cNvGrpSpPr/>
-        <p:nvPr/>
-      </p:nvGrpSpPr>
-      <p:grpSpPr>
-        <a:xfrm>
-          <a:off x="0" y="0"/>
-          <a:ext cx="0" cy="0"/>
-          <a:chOff x="0" y="0"/>
-          <a:chExt cx="0" cy="0"/>
-        </a:xfrm>
-      </p:grpSpPr>
-      <p:sp>
-        <p:nvSpPr>
-          <p:cNvPr id="2" name="Title 1">
-            <a:extLst>
-              <a:ext uri="{FF2B5EF4-FFF2-40B4-BE49-F238E27FC236}">
-                <a16:creationId xmlns:a16="http://schemas.microsoft.com/office/drawing/2014/main" id="{3B7615D4-2700-E97F-7687-C0552144015C}"/>
-              </a:ext>
-            </a:extLst>
-          </p:cNvPr>
-          <p:cNvSpPr>
-            <a:spLocks noGrp="1"/>
-          </p:cNvSpPr>
-          <p:nvPr>
-            <p:ph type="title"/>
-          </p:nvPr>
-        </p:nvSpPr>
-        <p:spPr>
-          <a:xfrm>
-            <a:off x="457200" y="274638"/>
-            <a:ext cx="8229600" cy="1143000"/>
-          </a:xfrm>
-        </p:spPr>
-        <p:txBody>
-          <a:bodyPr>
-            <a:normAutofit/>
-          </a:bodyPr>
-          <a:lstStyle/>
-          <a:p>
-            <a:r>
-              <a:rPr lang="en-US" dirty="0"/>
-              <a:t>Callbacks that have contexts</a:t>
-            </a:r>
-          </a:p>
-        </p:txBody>
-      </p:sp>
-      <p:sp>
-        <p:nvSpPr>
-          <p:cNvPr id="3" name="Content Placeholder 2">
-            <a:extLst>
-              <a:ext uri="{FF2B5EF4-FFF2-40B4-BE49-F238E27FC236}">
-                <a16:creationId xmlns:a16="http://schemas.microsoft.com/office/drawing/2014/main" id="{408E7991-1F94-738D-6E1C-A3129E366F38}"/>
-              </a:ext>
-            </a:extLst>
-          </p:cNvPr>
-          <p:cNvSpPr>
-            <a:spLocks noGrp="1"/>
-          </p:cNvSpPr>
-          <p:nvPr>
-            <p:ph idx="1"/>
-          </p:nvPr>
-        </p:nvSpPr>
-        <p:spPr>
-          <a:xfrm>
-            <a:off x="457200" y="1600200"/>
-            <a:ext cx="8229600" cy="4525963"/>
-          </a:xfrm>
-        </p:spPr>
-        <p:txBody>
-          <a:bodyPr>
-            <a:normAutofit/>
-          </a:bodyPr>
-          <a:lstStyle/>
-          <a:p>
-            <a:endParaRPr lang="en-US" dirty="0"/>
-          </a:p>
-        </p:txBody>
-      </p:sp>
-    </p:spTree>
-    <p:extLst>
-      <p:ext uri="{BB962C8B-B14F-4D97-AF65-F5344CB8AC3E}">
-        <p14:creationId xmlns:p14="http://schemas.microsoft.com/office/powerpoint/2010/main" val="1808750389"/>
-      </p:ext>
-    </p:extLst>
-  </p:cSld>
-  <p:clrMapOvr>
-    <a:masterClrMapping/>
-  </p:clrMapOvr>
-</p:sld>
-</file>
-
-<file path=ppt/slides/slide7.xml><?xml version="1.0" encoding="utf-8"?>
-<p:sld xmlns:a="http://schemas.openxmlformats.org/drawingml/2006/main" xmlns:r="http://schemas.openxmlformats.org/officeDocument/2006/relationships" xmlns:p="http://schemas.openxmlformats.org/presentationml/2006/main">
-  <p:cSld>
-    <p:spTree>
-      <p:nvGrpSpPr>
-        <p:cNvPr id="1" name="">
-          <a:extLst>
-            <a:ext uri="{FF2B5EF4-FFF2-40B4-BE49-F238E27FC236}">
-              <a16:creationId xmlns:a16="http://schemas.microsoft.com/office/drawing/2014/main" id="{1C28A86F-FE99-09A3-D8A2-B7AAA4270A3E}"/>
-            </a:ext>
-          </a:extLst>
-        </p:cNvPr>
-        <p:cNvGrpSpPr/>
-        <p:nvPr/>
-      </p:nvGrpSpPr>
-      <p:grpSpPr>
-        <a:xfrm>
-          <a:off x="0" y="0"/>
-          <a:ext cx="0" cy="0"/>
-          <a:chOff x="0" y="0"/>
-          <a:chExt cx="0" cy="0"/>
-        </a:xfrm>
-      </p:grpSpPr>
-      <p:sp>
-        <p:nvSpPr>
-          <p:cNvPr id="2" name="Title 1">
-            <a:extLst>
-              <a:ext uri="{FF2B5EF4-FFF2-40B4-BE49-F238E27FC236}">
-                <a16:creationId xmlns:a16="http://schemas.microsoft.com/office/drawing/2014/main" id="{00880EDA-A495-E0B6-86B8-A193D8DABB45}"/>
-              </a:ext>
-            </a:extLst>
-          </p:cNvPr>
-          <p:cNvSpPr>
-            <a:spLocks noGrp="1"/>
-          </p:cNvSpPr>
-          <p:nvPr>
-            <p:ph type="title"/>
-          </p:nvPr>
-        </p:nvSpPr>
-        <p:spPr>
-          <a:xfrm>
-            <a:off x="457200" y="274638"/>
-            <a:ext cx="8229600" cy="1143000"/>
-          </a:xfrm>
-        </p:spPr>
-        <p:txBody>
-          <a:bodyPr>
-            <a:normAutofit/>
-          </a:bodyPr>
-          <a:lstStyle/>
-          <a:p>
-            <a:r>
-              <a:rPr lang="en-US" dirty="0"/>
-              <a:t>Calling C code from C++</a:t>
-            </a:r>
-          </a:p>
-        </p:txBody>
-      </p:sp>
-      <p:sp>
-        <p:nvSpPr>
-          <p:cNvPr id="5" name="Content Placeholder 4">
-            <a:extLst>
-              <a:ext uri="{FF2B5EF4-FFF2-40B4-BE49-F238E27FC236}">
-                <a16:creationId xmlns:a16="http://schemas.microsoft.com/office/drawing/2014/main" id="{4CD091E2-4343-50B0-DBA1-524285FF771E}"/>
-              </a:ext>
-            </a:extLst>
-          </p:cNvPr>
-          <p:cNvSpPr>
-            <a:spLocks noGrp="1"/>
-          </p:cNvSpPr>
-          <p:nvPr>
-            <p:ph idx="1"/>
-          </p:nvPr>
-        </p:nvSpPr>
-        <p:spPr/>
-        <p:txBody>
-          <a:bodyPr>
-            <a:normAutofit/>
-          </a:bodyPr>
-          <a:lstStyle/>
-          <a:p>
-            <a:r>
-              <a:rPr lang="en-US" dirty="0"/>
-              <a:t>In C++ function names are not what they seem.</a:t>
-            </a:r>
-          </a:p>
-          <a:p>
-            <a:r>
-              <a:rPr lang="en-US" dirty="0"/>
-              <a:t>They are mangled to include information about the arguments and their types.</a:t>
-            </a:r>
-          </a:p>
-          <a:p>
-            <a:r>
-              <a:rPr lang="en-US" dirty="0"/>
-              <a:t>You can prevent the compiler from mangling names using extern “C” {}</a:t>
-            </a:r>
-          </a:p>
-          <a:p>
-            <a:r>
-              <a:rPr lang="en-US" dirty="0"/>
-              <a:t>To call the functions in </a:t>
-            </a:r>
-            <a:r>
-              <a:rPr lang="en-US" dirty="0" err="1"/>
-              <a:t>c.h</a:t>
-            </a:r>
-            <a:r>
-              <a:rPr lang="en-US" dirty="0"/>
-              <a:t> from </a:t>
-            </a:r>
-            <a:r>
-              <a:rPr lang="en-US" dirty="0" err="1"/>
-              <a:t>c++</a:t>
-            </a:r>
-            <a:r>
-              <a:rPr lang="en-US" dirty="0"/>
-              <a:t> you need to wrap the inclusion of </a:t>
-            </a:r>
-            <a:r>
-              <a:rPr lang="en-US" dirty="0" err="1"/>
-              <a:t>c.h</a:t>
-            </a:r>
-            <a:r>
-              <a:rPr lang="en-US" dirty="0"/>
-              <a:t> with extern “C” {}</a:t>
-            </a:r>
-          </a:p>
-        </p:txBody>
-      </p:sp>
-    </p:spTree>
-    <p:extLst>
-      <p:ext uri="{BB962C8B-B14F-4D97-AF65-F5344CB8AC3E}">
-        <p14:creationId xmlns:p14="http://schemas.microsoft.com/office/powerpoint/2010/main" val="2373936335"/>
       </p:ext>
     </p:extLst>
   </p:cSld>
@@ -3974,7 +4452,7 @@
         <p:cNvPr id="1" name="">
           <a:extLst>
             <a:ext uri="{FF2B5EF4-FFF2-40B4-BE49-F238E27FC236}">
-              <a16:creationId xmlns:a16="http://schemas.microsoft.com/office/drawing/2014/main" id="{C744158F-E198-56AD-69BD-2C9F1A45ACC1}"/>
+              <a16:creationId xmlns:a16="http://schemas.microsoft.com/office/drawing/2014/main" id="{6B1B8179-2A90-1B02-4E9E-FA444F2C5943}"/>
             </a:ext>
           </a:extLst>
         </p:cNvPr>
@@ -3989,45 +4467,47 @@
           <a:chExt cx="0" cy="0"/>
         </a:xfrm>
       </p:grpSpPr>
-      <p:sp>
-        <p:nvSpPr>
-          <p:cNvPr id="2" name="Title 1">
+      <p:pic>
+        <p:nvPicPr>
+          <p:cNvPr id="5" name="Picture 4">
             <a:extLst>
               <a:ext uri="{FF2B5EF4-FFF2-40B4-BE49-F238E27FC236}">
-                <a16:creationId xmlns:a16="http://schemas.microsoft.com/office/drawing/2014/main" id="{EE1BA216-37BB-9B82-9AA5-59A617888DAE}"/>
+                <a16:creationId xmlns:a16="http://schemas.microsoft.com/office/drawing/2014/main" id="{37A78555-C964-1201-AACF-DA8C1D2B7BBD}"/>
               </a:ext>
             </a:extLst>
           </p:cNvPr>
-          <p:cNvSpPr>
-            <a:spLocks noGrp="1"/>
-          </p:cNvSpPr>
-          <p:nvPr>
-            <p:ph type="title"/>
-          </p:nvPr>
-        </p:nvSpPr>
+          <p:cNvPicPr>
+            <a:picLocks noChangeAspect="1"/>
+          </p:cNvPicPr>
+          <p:nvPr/>
+        </p:nvPicPr>
+        <p:blipFill>
+          <a:blip r:embed="rId2"/>
+          <a:stretch>
+            <a:fillRect/>
+          </a:stretch>
+        </p:blipFill>
         <p:spPr>
           <a:xfrm>
-            <a:off x="457200" y="274638"/>
-            <a:ext cx="8229600" cy="1143000"/>
+            <a:off x="393818" y="1752600"/>
+            <a:ext cx="8356364" cy="3543521"/>
           </a:xfrm>
+          <a:prstGeom prst="rect">
+            <a:avLst/>
+          </a:prstGeom>
+          <a:ln w="6350">
+            <a:solidFill>
+              <a:schemeClr val="accent1"/>
+            </a:solidFill>
+          </a:ln>
         </p:spPr>
-        <p:txBody>
-          <a:bodyPr/>
-          <a:lstStyle/>
-          <a:p>
-            <a:r>
-              <a:rPr lang="en-US" dirty="0"/>
-              <a:t>Calling C++ code from C</a:t>
-            </a:r>
-          </a:p>
-        </p:txBody>
-      </p:sp>
-      <p:sp>
-        <p:nvSpPr>
-          <p:cNvPr id="3" name="Content Placeholder 2">
+      </p:pic>
+      <p:sp>
+        <p:nvSpPr>
+          <p:cNvPr id="6" name="Title 5">
             <a:extLst>
               <a:ext uri="{FF2B5EF4-FFF2-40B4-BE49-F238E27FC236}">
-                <a16:creationId xmlns:a16="http://schemas.microsoft.com/office/drawing/2014/main" id="{D35ED43E-8D5D-7388-89E3-64E9F652EB2B}"/>
+                <a16:creationId xmlns:a16="http://schemas.microsoft.com/office/drawing/2014/main" id="{0A8C738A-309B-2ECA-F45A-482B96B0975F}"/>
               </a:ext>
             </a:extLst>
           </p:cNvPr>
@@ -4035,30 +4515,25 @@
             <a:spLocks noGrp="1"/>
           </p:cNvSpPr>
           <p:nvPr>
-            <p:ph idx="1"/>
-          </p:nvPr>
-        </p:nvSpPr>
-        <p:spPr>
-          <a:xfrm>
-            <a:off x="457200" y="1600200"/>
-            <a:ext cx="8229600" cy="4525963"/>
-          </a:xfrm>
-        </p:spPr>
-        <p:txBody>
-          <a:bodyPr>
-            <a:normAutofit/>
-          </a:bodyPr>
+            <p:ph type="title"/>
+          </p:nvPr>
+        </p:nvSpPr>
+        <p:spPr/>
+        <p:txBody>
+          <a:bodyPr/>
           <a:lstStyle/>
           <a:p>
             <a:r>
               <a:rPr lang="en-US" dirty="0"/>
-              <a:t>For the same reason, you can only call a C++ method from C if it is not name mangled.</a:t>
-            </a:r>
-          </a:p>
-          <a:p>
+              <a:t>The </a:t>
+            </a:r>
+            <a:r>
+              <a:rPr lang="en-US" dirty="0" err="1"/>
+              <a:t>ILogger</a:t>
+            </a:r>
             <a:r>
               <a:rPr lang="en-US" dirty="0"/>
-              <a:t>For C++ methods wrap the declaration in the header and the implementation in extern “C”</a:t>
+              <a:t> interface</a:t>
             </a:r>
           </a:p>
         </p:txBody>
@@ -4066,7 +4541,109 @@
     </p:spTree>
     <p:extLst>
       <p:ext uri="{BB962C8B-B14F-4D97-AF65-F5344CB8AC3E}">
-        <p14:creationId xmlns:p14="http://schemas.microsoft.com/office/powerpoint/2010/main" val="1642054158"/>
+        <p14:creationId xmlns:p14="http://schemas.microsoft.com/office/powerpoint/2010/main" val="1071800563"/>
+      </p:ext>
+    </p:extLst>
+  </p:cSld>
+  <p:clrMapOvr>
+    <a:masterClrMapping/>
+  </p:clrMapOvr>
+</p:sld>
+</file>
+
+<file path=ppt/slides/slide9.xml><?xml version="1.0" encoding="utf-8"?>
+<p:sld xmlns:a="http://schemas.openxmlformats.org/drawingml/2006/main" xmlns:r="http://schemas.openxmlformats.org/officeDocument/2006/relationships" xmlns:p="http://schemas.openxmlformats.org/presentationml/2006/main">
+  <p:cSld>
+    <p:spTree>
+      <p:nvGrpSpPr>
+        <p:cNvPr id="1" name="">
+          <a:extLst>
+            <a:ext uri="{FF2B5EF4-FFF2-40B4-BE49-F238E27FC236}">
+              <a16:creationId xmlns:a16="http://schemas.microsoft.com/office/drawing/2014/main" id="{1161CEEF-ED28-8C6C-E39A-DE767BE91139}"/>
+            </a:ext>
+          </a:extLst>
+        </p:cNvPr>
+        <p:cNvGrpSpPr/>
+        <p:nvPr/>
+      </p:nvGrpSpPr>
+      <p:grpSpPr>
+        <a:xfrm>
+          <a:off x="0" y="0"/>
+          <a:ext cx="0" cy="0"/>
+          <a:chOff x="0" y="0"/>
+          <a:chExt cx="0" cy="0"/>
+        </a:xfrm>
+      </p:grpSpPr>
+      <p:sp>
+        <p:nvSpPr>
+          <p:cNvPr id="6" name="Title 5">
+            <a:extLst>
+              <a:ext uri="{FF2B5EF4-FFF2-40B4-BE49-F238E27FC236}">
+                <a16:creationId xmlns:a16="http://schemas.microsoft.com/office/drawing/2014/main" id="{85185BD6-C6BD-1738-84CD-97F37D497589}"/>
+              </a:ext>
+            </a:extLst>
+          </p:cNvPr>
+          <p:cNvSpPr>
+            <a:spLocks noGrp="1"/>
+          </p:cNvSpPr>
+          <p:nvPr>
+            <p:ph type="title"/>
+          </p:nvPr>
+        </p:nvSpPr>
+        <p:spPr/>
+        <p:txBody>
+          <a:bodyPr/>
+          <a:lstStyle/>
+          <a:p>
+            <a:r>
+              <a:rPr lang="en-US" dirty="0"/>
+              <a:t>The </a:t>
+            </a:r>
+            <a:r>
+              <a:rPr lang="en-US" dirty="0" err="1"/>
+              <a:t>FileLogger</a:t>
+            </a:r>
+            <a:r>
+              <a:rPr lang="en-US" dirty="0"/>
+              <a:t> implementation</a:t>
+            </a:r>
+          </a:p>
+        </p:txBody>
+      </p:sp>
+      <p:pic>
+        <p:nvPicPr>
+          <p:cNvPr id="9" name="Picture 8">
+            <a:extLst>
+              <a:ext uri="{FF2B5EF4-FFF2-40B4-BE49-F238E27FC236}">
+                <a16:creationId xmlns:a16="http://schemas.microsoft.com/office/drawing/2014/main" id="{3CD8C5DA-CEE9-E839-8384-C2660989AE85}"/>
+              </a:ext>
+            </a:extLst>
+          </p:cNvPr>
+          <p:cNvPicPr>
+            <a:picLocks noChangeAspect="1"/>
+          </p:cNvPicPr>
+          <p:nvPr/>
+        </p:nvPicPr>
+        <p:blipFill>
+          <a:blip r:embed="rId2"/>
+          <a:stretch>
+            <a:fillRect/>
+          </a:stretch>
+        </p:blipFill>
+        <p:spPr>
+          <a:xfrm>
+            <a:off x="381000" y="1417638"/>
+            <a:ext cx="6458510" cy="5315411"/>
+          </a:xfrm>
+          <a:prstGeom prst="rect">
+            <a:avLst/>
+          </a:prstGeom>
+        </p:spPr>
+      </p:pic>
+    </p:spTree>
+    <p:extLst>
+      <p:ext uri="{BB962C8B-B14F-4D97-AF65-F5344CB8AC3E}">
+        <p14:creationId xmlns:p14="http://schemas.microsoft.com/office/powerpoint/2010/main" val="2282883155"/>
       </p:ext>
     </p:extLst>
   </p:cSld>

--- a/Module 5 - Object Oriented Design and C.pptx
+++ b/Module 5 - Object Oriented Design and C.pptx
@@ -6,17 +6,16 @@
   </p:sldMasterIdLst>
   <p:sldIdLst>
     <p:sldId id="256" r:id="rId2"/>
-    <p:sldId id="277" r:id="rId3"/>
-    <p:sldId id="276" r:id="rId4"/>
-    <p:sldId id="282" r:id="rId5"/>
-    <p:sldId id="287" r:id="rId6"/>
-    <p:sldId id="283" r:id="rId7"/>
-    <p:sldId id="279" r:id="rId8"/>
-    <p:sldId id="284" r:id="rId9"/>
-    <p:sldId id="285" r:id="rId10"/>
-    <p:sldId id="286" r:id="rId11"/>
-    <p:sldId id="288" r:id="rId12"/>
-    <p:sldId id="289" r:id="rId13"/>
+    <p:sldId id="276" r:id="rId3"/>
+    <p:sldId id="282" r:id="rId4"/>
+    <p:sldId id="287" r:id="rId5"/>
+    <p:sldId id="283" r:id="rId6"/>
+    <p:sldId id="279" r:id="rId7"/>
+    <p:sldId id="284" r:id="rId8"/>
+    <p:sldId id="285" r:id="rId9"/>
+    <p:sldId id="286" r:id="rId10"/>
+    <p:sldId id="288" r:id="rId11"/>
+    <p:sldId id="289" r:id="rId12"/>
   </p:sldIdLst>
   <p:sldSz cx="9144000" cy="6858000" type="screen4x3"/>
   <p:notesSz cx="6858000" cy="9144000"/>
@@ -313,7 +312,7 @@
           <a:p>
             <a:fld id="{543982D4-381D-4B7B-A1A5-B3B6E72EF21D}" type="datetimeFigureOut">
               <a:rPr lang="en-US" smtClean="0"/>
-              <a:t>7/16/2025</a:t>
+              <a:t>7/19/2025</a:t>
             </a:fld>
             <a:endParaRPr lang="en-US"/>
           </a:p>
@@ -481,7 +480,7 @@
           <a:p>
             <a:fld id="{543982D4-381D-4B7B-A1A5-B3B6E72EF21D}" type="datetimeFigureOut">
               <a:rPr lang="en-US" smtClean="0"/>
-              <a:t>7/16/2025</a:t>
+              <a:t>7/19/2025</a:t>
             </a:fld>
             <a:endParaRPr lang="en-US"/>
           </a:p>
@@ -659,7 +658,7 @@
           <a:p>
             <a:fld id="{543982D4-381D-4B7B-A1A5-B3B6E72EF21D}" type="datetimeFigureOut">
               <a:rPr lang="en-US" smtClean="0"/>
-              <a:t>7/16/2025</a:t>
+              <a:t>7/19/2025</a:t>
             </a:fld>
             <a:endParaRPr lang="en-US"/>
           </a:p>
@@ -827,7 +826,7 @@
           <a:p>
             <a:fld id="{543982D4-381D-4B7B-A1A5-B3B6E72EF21D}" type="datetimeFigureOut">
               <a:rPr lang="en-US" smtClean="0"/>
-              <a:t>7/16/2025</a:t>
+              <a:t>7/19/2025</a:t>
             </a:fld>
             <a:endParaRPr lang="en-US"/>
           </a:p>
@@ -1142,7 +1141,7 @@
           <a:p>
             <a:fld id="{543982D4-381D-4B7B-A1A5-B3B6E72EF21D}" type="datetimeFigureOut">
               <a:rPr lang="en-US" smtClean="0"/>
-              <a:t>7/16/2025</a:t>
+              <a:t>7/19/2025</a:t>
             </a:fld>
             <a:endParaRPr lang="en-US"/>
           </a:p>
@@ -1427,7 +1426,7 @@
           <a:p>
             <a:fld id="{543982D4-381D-4B7B-A1A5-B3B6E72EF21D}" type="datetimeFigureOut">
               <a:rPr lang="en-US" smtClean="0"/>
-              <a:t>7/16/2025</a:t>
+              <a:t>7/19/2025</a:t>
             </a:fld>
             <a:endParaRPr lang="en-US"/>
           </a:p>
@@ -1846,7 +1845,7 @@
           <a:p>
             <a:fld id="{543982D4-381D-4B7B-A1A5-B3B6E72EF21D}" type="datetimeFigureOut">
               <a:rPr lang="en-US" smtClean="0"/>
-              <a:t>7/16/2025</a:t>
+              <a:t>7/19/2025</a:t>
             </a:fld>
             <a:endParaRPr lang="en-US"/>
           </a:p>
@@ -1963,7 +1962,7 @@
           <a:p>
             <a:fld id="{543982D4-381D-4B7B-A1A5-B3B6E72EF21D}" type="datetimeFigureOut">
               <a:rPr lang="en-US" smtClean="0"/>
-              <a:t>7/16/2025</a:t>
+              <a:t>7/19/2025</a:t>
             </a:fld>
             <a:endParaRPr lang="en-US"/>
           </a:p>
@@ -2058,7 +2057,7 @@
           <a:p>
             <a:fld id="{543982D4-381D-4B7B-A1A5-B3B6E72EF21D}" type="datetimeFigureOut">
               <a:rPr lang="en-US" smtClean="0"/>
-              <a:t>7/16/2025</a:t>
+              <a:t>7/19/2025</a:t>
             </a:fld>
             <a:endParaRPr lang="en-US"/>
           </a:p>
@@ -2333,7 +2332,7 @@
           <a:p>
             <a:fld id="{543982D4-381D-4B7B-A1A5-B3B6E72EF21D}" type="datetimeFigureOut">
               <a:rPr lang="en-US" smtClean="0"/>
-              <a:t>7/16/2025</a:t>
+              <a:t>7/19/2025</a:t>
             </a:fld>
             <a:endParaRPr lang="en-US"/>
           </a:p>
@@ -2585,7 +2584,7 @@
           <a:p>
             <a:fld id="{543982D4-381D-4B7B-A1A5-B3B6E72EF21D}" type="datetimeFigureOut">
               <a:rPr lang="en-US" smtClean="0"/>
-              <a:t>7/16/2025</a:t>
+              <a:t>7/19/2025</a:t>
             </a:fld>
             <a:endParaRPr lang="en-US"/>
           </a:p>
@@ -2796,7 +2795,7 @@
           <a:p>
             <a:fld id="{543982D4-381D-4B7B-A1A5-B3B6E72EF21D}" type="datetimeFigureOut">
               <a:rPr lang="en-US" smtClean="0"/>
-              <a:t>7/16/2025</a:t>
+              <a:t>7/19/2025</a:t>
             </a:fld>
             <a:endParaRPr lang="en-US"/>
           </a:p>
@@ -3195,7 +3194,13 @@
       </p:sp>
       <p:sp>
         <p:nvSpPr>
-          <p:cNvPr id="3" name="Subtitle 2"/>
+          <p:cNvPr id="6" name="Subtitle 2">
+            <a:extLst>
+              <a:ext uri="{FF2B5EF4-FFF2-40B4-BE49-F238E27FC236}">
+                <a16:creationId xmlns:a16="http://schemas.microsoft.com/office/drawing/2014/main" id="{8886DCAD-DBB1-9DE7-71F2-F6B8D77DDB99}"/>
+              </a:ext>
+            </a:extLst>
+          </p:cNvPr>
           <p:cNvSpPr>
             <a:spLocks noGrp="1"/>
           </p:cNvSpPr>
@@ -3203,20 +3208,61 @@
             <p:ph type="subTitle" idx="1"/>
           </p:nvPr>
         </p:nvSpPr>
-        <p:spPr/>
+        <p:spPr>
+          <a:xfrm>
+            <a:off x="1371600" y="4953000"/>
+            <a:ext cx="6400800" cy="838200"/>
+          </a:xfrm>
+        </p:spPr>
         <p:txBody>
           <a:bodyPr/>
           <a:lstStyle/>
           <a:p>
             <a:r>
               <a:rPr lang="en-US" dirty="0"/>
-              <a:t>David </a:t>
-            </a:r>
-            <a:r>
-              <a:rPr lang="en-US" dirty="0" err="1"/>
-              <a:t>Sackstein</a:t>
-            </a:r>
-            <a:endParaRPr lang="en-US" dirty="0"/>
+              <a:t>David Sackstein</a:t>
+            </a:r>
+          </a:p>
+        </p:txBody>
+      </p:sp>
+      <p:sp>
+        <p:nvSpPr>
+          <p:cNvPr id="7" name="TextBox 6">
+            <a:extLst>
+              <a:ext uri="{FF2B5EF4-FFF2-40B4-BE49-F238E27FC236}">
+                <a16:creationId xmlns:a16="http://schemas.microsoft.com/office/drawing/2014/main" id="{948CEE2F-B409-CB85-BA5D-5D85257E71D8}"/>
+              </a:ext>
+            </a:extLst>
+          </p:cNvPr>
+          <p:cNvSpPr txBox="1"/>
+          <p:nvPr/>
+        </p:nvSpPr>
+        <p:spPr>
+          <a:xfrm>
+            <a:off x="3581400" y="5774267"/>
+            <a:ext cx="1905000" cy="369332"/>
+          </a:xfrm>
+          <a:prstGeom prst="rect">
+            <a:avLst/>
+          </a:prstGeom>
+          <a:noFill/>
+        </p:spPr>
+        <p:txBody>
+          <a:bodyPr wrap="square" rtlCol="0">
+            <a:spAutoFit/>
+          </a:bodyPr>
+          <a:lstStyle/>
+          <a:p>
+            <a:r>
+              <a:rPr lang="en-US" dirty="0">
+                <a:solidFill>
+                  <a:schemeClr val="tx1">
+                    <a:tint val="75000"/>
+                  </a:schemeClr>
+                </a:solidFill>
+              </a:rPr>
+              <a:t>All rights reserved</a:t>
+            </a:r>
           </a:p>
         </p:txBody>
       </p:sp>
@@ -3234,108 +3280,6 @@
 </file>
 
 <file path=ppt/slides/slide10.xml><?xml version="1.0" encoding="utf-8"?>
-<p:sld xmlns:a="http://schemas.openxmlformats.org/drawingml/2006/main" xmlns:r="http://schemas.openxmlformats.org/officeDocument/2006/relationships" xmlns:p="http://schemas.openxmlformats.org/presentationml/2006/main">
-  <p:cSld>
-    <p:spTree>
-      <p:nvGrpSpPr>
-        <p:cNvPr id="1" name="">
-          <a:extLst>
-            <a:ext uri="{FF2B5EF4-FFF2-40B4-BE49-F238E27FC236}">
-              <a16:creationId xmlns:a16="http://schemas.microsoft.com/office/drawing/2014/main" id="{B86EECCA-E80D-8529-4EBB-733043DF8EBD}"/>
-            </a:ext>
-          </a:extLst>
-        </p:cNvPr>
-        <p:cNvGrpSpPr/>
-        <p:nvPr/>
-      </p:nvGrpSpPr>
-      <p:grpSpPr>
-        <a:xfrm>
-          <a:off x="0" y="0"/>
-          <a:ext cx="0" cy="0"/>
-          <a:chOff x="0" y="0"/>
-          <a:chExt cx="0" cy="0"/>
-        </a:xfrm>
-      </p:grpSpPr>
-      <p:sp>
-        <p:nvSpPr>
-          <p:cNvPr id="6" name="Title 5">
-            <a:extLst>
-              <a:ext uri="{FF2B5EF4-FFF2-40B4-BE49-F238E27FC236}">
-                <a16:creationId xmlns:a16="http://schemas.microsoft.com/office/drawing/2014/main" id="{4EB1E54E-BCC5-E8F7-C115-70AF7D80E20E}"/>
-              </a:ext>
-            </a:extLst>
-          </p:cNvPr>
-          <p:cNvSpPr>
-            <a:spLocks noGrp="1"/>
-          </p:cNvSpPr>
-          <p:nvPr>
-            <p:ph type="title"/>
-          </p:nvPr>
-        </p:nvSpPr>
-        <p:spPr/>
-        <p:txBody>
-          <a:bodyPr/>
-          <a:lstStyle/>
-          <a:p>
-            <a:r>
-              <a:rPr lang="en-US" dirty="0"/>
-              <a:t>The </a:t>
-            </a:r>
-            <a:r>
-              <a:rPr lang="en-US" dirty="0" err="1"/>
-              <a:t>FileLogger</a:t>
-            </a:r>
-            <a:r>
-              <a:rPr lang="en-US" dirty="0"/>
-              <a:t> implementation</a:t>
-            </a:r>
-          </a:p>
-        </p:txBody>
-      </p:sp>
-      <p:pic>
-        <p:nvPicPr>
-          <p:cNvPr id="3" name="Picture 2">
-            <a:extLst>
-              <a:ext uri="{FF2B5EF4-FFF2-40B4-BE49-F238E27FC236}">
-                <a16:creationId xmlns:a16="http://schemas.microsoft.com/office/drawing/2014/main" id="{CC119B4C-1A0A-C0FE-CB1A-FBE103241042}"/>
-              </a:ext>
-            </a:extLst>
-          </p:cNvPr>
-          <p:cNvPicPr>
-            <a:picLocks noChangeAspect="1"/>
-          </p:cNvPicPr>
-          <p:nvPr/>
-        </p:nvPicPr>
-        <p:blipFill>
-          <a:blip r:embed="rId2"/>
-          <a:stretch>
-            <a:fillRect/>
-          </a:stretch>
-        </p:blipFill>
-        <p:spPr>
-          <a:xfrm>
-            <a:off x="304799" y="1586705"/>
-            <a:ext cx="8031833" cy="4433095"/>
-          </a:xfrm>
-          <a:prstGeom prst="rect">
-            <a:avLst/>
-          </a:prstGeom>
-        </p:spPr>
-      </p:pic>
-    </p:spTree>
-    <p:extLst>
-      <p:ext uri="{BB962C8B-B14F-4D97-AF65-F5344CB8AC3E}">
-        <p14:creationId xmlns:p14="http://schemas.microsoft.com/office/powerpoint/2010/main" val="2639532249"/>
-      </p:ext>
-    </p:extLst>
-  </p:cSld>
-  <p:clrMapOvr>
-    <a:masterClrMapping/>
-  </p:clrMapOvr>
-</p:sld>
-</file>
-
-<file path=ppt/slides/slide11.xml><?xml version="1.0" encoding="utf-8"?>
 <p:sld xmlns:a="http://schemas.openxmlformats.org/drawingml/2006/main" xmlns:r="http://schemas.openxmlformats.org/officeDocument/2006/relationships" xmlns:p="http://schemas.openxmlformats.org/presentationml/2006/main">
   <p:cSld>
     <p:spTree>
@@ -3469,7 +3413,7 @@
 </p:sld>
 </file>
 
-<file path=ppt/slides/slide12.xml><?xml version="1.0" encoding="utf-8"?>
+<file path=ppt/slides/slide11.xml><?xml version="1.0" encoding="utf-8"?>
 <p:sld xmlns:a="http://schemas.openxmlformats.org/drawingml/2006/main" xmlns:r="http://schemas.openxmlformats.org/officeDocument/2006/relationships" xmlns:p="http://schemas.openxmlformats.org/presentationml/2006/main">
   <p:cSld>
     <p:spTree>
@@ -3509,7 +3453,7 @@
           <a:p>
             <a:r>
               <a:rPr lang="en-US" dirty="0"/>
-              <a:t>Summary</a:t>
+              <a:t>Key Takeaways</a:t>
             </a:r>
           </a:p>
         </p:txBody>
@@ -3532,36 +3476,73 @@
         </p:nvSpPr>
         <p:spPr/>
         <p:txBody>
-          <a:bodyPr/>
-          <a:lstStyle/>
-          <a:p>
-            <a:r>
-              <a:rPr lang="en-US" dirty="0"/>
+          <a:bodyPr>
+            <a:normAutofit fontScale="92500" lnSpcReduction="20000"/>
+          </a:bodyPr>
+          <a:lstStyle/>
+          <a:p>
+            <a:r>
+              <a:rPr lang="en-US" dirty="0">
+                <a:solidFill>
+                  <a:schemeClr val="accent1"/>
+                </a:solidFill>
+              </a:rPr>
               <a:t>The principles of OOD are useful in C too.</a:t>
             </a:r>
           </a:p>
           <a:p>
             <a:r>
-              <a:rPr lang="en-US" dirty="0"/>
+              <a:rPr lang="en-US" dirty="0">
+                <a:solidFill>
+                  <a:schemeClr val="accent1"/>
+                </a:solidFill>
+              </a:rPr>
               <a:t>The problem is that you need to do a lot of work yourself, and also the compiler does not force you to write correctly.</a:t>
             </a:r>
           </a:p>
           <a:p>
             <a:r>
-              <a:rPr lang="en-US" dirty="0"/>
-              <a:t>Due to interop of C and C++ you can migrate incrementally (you can use shared </a:t>
-            </a:r>
-            <a:r>
-              <a:rPr lang="en-US"/>
-              <a:t>libraries to help here).</a:t>
-            </a:r>
-            <a:endParaRPr lang="en-US" dirty="0"/>
-          </a:p>
-          <a:p>
-            <a:endParaRPr lang="en-US" dirty="0"/>
-          </a:p>
-          <a:p>
-            <a:endParaRPr lang="en-US" dirty="0"/>
+              <a:rPr lang="en-US" dirty="0">
+                <a:solidFill>
+                  <a:schemeClr val="accent1"/>
+                </a:solidFill>
+              </a:rPr>
+              <a:t>But you should write constructors, destructors and use the static keyword to hide symbols</a:t>
+            </a:r>
+          </a:p>
+          <a:p>
+            <a:r>
+              <a:rPr lang="en-US" dirty="0">
+                <a:solidFill>
+                  <a:schemeClr val="accent1"/>
+                </a:solidFill>
+              </a:rPr>
+              <a:t>You can implement interfaces as structs of function pointers.</a:t>
+            </a:r>
+          </a:p>
+          <a:p>
+            <a:r>
+              <a:rPr lang="en-US" dirty="0">
+                <a:solidFill>
+                  <a:schemeClr val="accent1"/>
+                </a:solidFill>
+              </a:rPr>
+              <a:t>Due to interop of C and C++ you can migrate incrementally (you can use shared libraries to help here).</a:t>
+            </a:r>
+          </a:p>
+          <a:p>
+            <a:endParaRPr lang="en-US" dirty="0">
+              <a:solidFill>
+                <a:schemeClr val="accent1"/>
+              </a:solidFill>
+            </a:endParaRPr>
+          </a:p>
+          <a:p>
+            <a:endParaRPr lang="en-US" dirty="0">
+              <a:solidFill>
+                <a:schemeClr val="accent1"/>
+              </a:solidFill>
+            </a:endParaRPr>
           </a:p>
         </p:txBody>
       </p:sp>
@@ -3583,134 +3564,6 @@
   <p:cSld>
     <p:spTree>
       <p:nvGrpSpPr>
-        <p:cNvPr id="1" name="">
-          <a:extLst>
-            <a:ext uri="{FF2B5EF4-FFF2-40B4-BE49-F238E27FC236}">
-              <a16:creationId xmlns:a16="http://schemas.microsoft.com/office/drawing/2014/main" id="{6C0F69BD-3185-84A7-09D7-ACE014C61FCA}"/>
-            </a:ext>
-          </a:extLst>
-        </p:cNvPr>
-        <p:cNvGrpSpPr/>
-        <p:nvPr/>
-      </p:nvGrpSpPr>
-      <p:grpSpPr>
-        <a:xfrm>
-          <a:off x="0" y="0"/>
-          <a:ext cx="0" cy="0"/>
-          <a:chOff x="0" y="0"/>
-          <a:chExt cx="0" cy="0"/>
-        </a:xfrm>
-      </p:grpSpPr>
-      <p:sp>
-        <p:nvSpPr>
-          <p:cNvPr id="2" name="Title 1">
-            <a:extLst>
-              <a:ext uri="{FF2B5EF4-FFF2-40B4-BE49-F238E27FC236}">
-                <a16:creationId xmlns:a16="http://schemas.microsoft.com/office/drawing/2014/main" id="{1974AD48-6E92-F762-79F2-21C79BFB9612}"/>
-              </a:ext>
-            </a:extLst>
-          </p:cNvPr>
-          <p:cNvSpPr>
-            <a:spLocks noGrp="1"/>
-          </p:cNvSpPr>
-          <p:nvPr>
-            <p:ph type="title"/>
-          </p:nvPr>
-        </p:nvSpPr>
-        <p:spPr>
-          <a:xfrm>
-            <a:off x="457200" y="274638"/>
-            <a:ext cx="8229600" cy="1143000"/>
-          </a:xfrm>
-        </p:spPr>
-        <p:txBody>
-          <a:bodyPr/>
-          <a:lstStyle/>
-          <a:p>
-            <a:r>
-              <a:rPr lang="en-US" dirty="0"/>
-              <a:t>Overview</a:t>
-            </a:r>
-          </a:p>
-        </p:txBody>
-      </p:sp>
-      <p:sp>
-        <p:nvSpPr>
-          <p:cNvPr id="3" name="Content Placeholder 2">
-            <a:extLst>
-              <a:ext uri="{FF2B5EF4-FFF2-40B4-BE49-F238E27FC236}">
-                <a16:creationId xmlns:a16="http://schemas.microsoft.com/office/drawing/2014/main" id="{C19F1633-DD45-0A4C-B625-6C7BF418C0A4}"/>
-              </a:ext>
-            </a:extLst>
-          </p:cNvPr>
-          <p:cNvSpPr>
-            <a:spLocks noGrp="1"/>
-          </p:cNvSpPr>
-          <p:nvPr>
-            <p:ph idx="1"/>
-          </p:nvPr>
-        </p:nvSpPr>
-        <p:spPr>
-          <a:xfrm>
-            <a:off x="457200" y="1600200"/>
-            <a:ext cx="8229600" cy="4525963"/>
-          </a:xfrm>
-        </p:spPr>
-        <p:txBody>
-          <a:bodyPr>
-            <a:normAutofit fontScale="70000" lnSpcReduction="20000"/>
-          </a:bodyPr>
-          <a:lstStyle/>
-          <a:p>
-            <a:r>
-              <a:rPr lang="en-US" dirty="0"/>
-              <a:t>In Module 1 we discussed the benefits of OOD. In particular, that it helps us enforce encapsulation and enables programming by interface.</a:t>
-            </a:r>
-          </a:p>
-          <a:p>
-            <a:r>
-              <a:rPr lang="en-US" dirty="0"/>
-              <a:t>But in some embedded environments, we do not have access to a C++ compiler, and we are stuck with C. </a:t>
-            </a:r>
-          </a:p>
-          <a:p>
-            <a:r>
-              <a:rPr lang="en-US" dirty="0"/>
-              <a:t>As Bjarne Stroustrup put it, C++ is a better C, but this is not to say we cannot emulate some capabilities in C.</a:t>
-            </a:r>
-          </a:p>
-          <a:p>
-            <a:r>
-              <a:rPr lang="en-US" dirty="0"/>
-              <a:t>In this module we will explore techniques for implementing Object Oriented Development in C. We will learn how to enforce the visibility of methods, implement interfaces, and work with callbacks that have contexts.</a:t>
-            </a:r>
-          </a:p>
-          <a:p>
-            <a:r>
-              <a:rPr lang="en-US" dirty="0"/>
-              <a:t>We will also learn about the interoperability of C and C++. This is important because it gives you the choice to upgrade parts of your project from C to C++ without affecting other parts.</a:t>
-            </a:r>
-          </a:p>
-        </p:txBody>
-      </p:sp>
-    </p:spTree>
-    <p:extLst>
-      <p:ext uri="{BB962C8B-B14F-4D97-AF65-F5344CB8AC3E}">
-        <p14:creationId xmlns:p14="http://schemas.microsoft.com/office/powerpoint/2010/main" val="4182866520"/>
-      </p:ext>
-    </p:extLst>
-  </p:cSld>
-  <p:clrMapOvr>
-    <a:masterClrMapping/>
-  </p:clrMapOvr>
-</p:sld>
-</file>
-
-<file path=ppt/slides/slide3.xml><?xml version="1.0" encoding="utf-8"?>
-<p:sld xmlns:a="http://schemas.openxmlformats.org/drawingml/2006/main" xmlns:r="http://schemas.openxmlformats.org/officeDocument/2006/relationships" xmlns:p="http://schemas.openxmlformats.org/presentationml/2006/main">
-  <p:cSld>
-    <p:spTree>
-      <p:nvGrpSpPr>
         <p:cNvPr id="1" name=""/>
         <p:cNvGrpSpPr/>
         <p:nvPr/>
@@ -3744,9 +3597,10 @@
           <a:lstStyle/>
           <a:p>
             <a:r>
-              <a:rPr lang="en-US" dirty="0"/>
+              <a:rPr lang="en-US"/>
               <a:t>Agenda</a:t>
             </a:r>
+            <a:endParaRPr lang="en-US" dirty="0"/>
           </a:p>
         </p:txBody>
       </p:sp>
@@ -3773,45 +3627,70 @@
           <a:lstStyle/>
           <a:p>
             <a:r>
-              <a:rPr lang="en-US" dirty="0"/>
+              <a:rPr lang="en-US" dirty="0">
+                <a:solidFill>
+                  <a:schemeClr val="accent1"/>
+                </a:solidFill>
+              </a:rPr>
               <a:t>C and C++ interoperability</a:t>
             </a:r>
           </a:p>
           <a:p>
             <a:r>
-              <a:rPr lang="en-US" dirty="0"/>
+              <a:rPr lang="en-US" dirty="0">
+                <a:solidFill>
+                  <a:schemeClr val="accent1"/>
+                </a:solidFill>
+              </a:rPr>
               <a:t>A gradual migration to C++</a:t>
             </a:r>
           </a:p>
           <a:p>
             <a:r>
-              <a:rPr lang="en-US" dirty="0"/>
+              <a:rPr lang="en-US" dirty="0">
+                <a:solidFill>
+                  <a:schemeClr val="accent1"/>
+                </a:solidFill>
+              </a:rPr>
               <a:t>Calling C code from C++</a:t>
             </a:r>
           </a:p>
           <a:p>
             <a:r>
-              <a:rPr lang="en-US" dirty="0"/>
+              <a:rPr lang="en-US" dirty="0">
+                <a:solidFill>
+                  <a:schemeClr val="accent1"/>
+                </a:solidFill>
+              </a:rPr>
               <a:t>Calling C++ code from C</a:t>
             </a:r>
           </a:p>
           <a:p>
             <a:r>
-              <a:rPr lang="en-US" dirty="0"/>
+              <a:rPr lang="en-US" dirty="0">
+                <a:solidFill>
+                  <a:schemeClr val="accent1"/>
+                </a:solidFill>
+              </a:rPr>
               <a:t>Defining an object in C</a:t>
             </a:r>
           </a:p>
           <a:p>
             <a:r>
-              <a:rPr lang="en-US" dirty="0"/>
+              <a:rPr lang="en-US" dirty="0">
+                <a:solidFill>
+                  <a:schemeClr val="accent1"/>
+                </a:solidFill>
+              </a:rPr>
               <a:t>Interfaces in C</a:t>
             </a:r>
           </a:p>
           <a:p>
-            <a:endParaRPr lang="en-US" dirty="0"/>
-          </a:p>
-          <a:p>
-            <a:endParaRPr lang="en-US" dirty="0"/>
+            <a:endParaRPr lang="en-US" dirty="0">
+              <a:solidFill>
+                <a:schemeClr val="accent1"/>
+              </a:solidFill>
+            </a:endParaRPr>
           </a:p>
         </p:txBody>
       </p:sp>
@@ -3828,7 +3707,7 @@
 </p:sld>
 </file>
 
-<file path=ppt/slides/slide4.xml><?xml version="1.0" encoding="utf-8"?>
+<file path=ppt/slides/slide3.xml><?xml version="1.0" encoding="utf-8"?>
 <p:sld xmlns:a="http://schemas.openxmlformats.org/drawingml/2006/main" xmlns:r="http://schemas.openxmlformats.org/officeDocument/2006/relationships" xmlns:p="http://schemas.openxmlformats.org/presentationml/2006/main">
   <p:cSld>
     <p:spTree>
@@ -3910,13 +3789,31 @@
           <a:lstStyle/>
           <a:p>
             <a:r>
-              <a:rPr lang="en-US" dirty="0"/>
-              <a:t>C++ is a superset of C the two languages can be used in the same project (executable, shared library).</a:t>
-            </a:r>
-          </a:p>
-          <a:p>
-            <a:r>
-              <a:rPr lang="en-US" dirty="0"/>
+              <a:rPr lang="en-US" dirty="0">
+                <a:solidFill>
+                  <a:schemeClr val="accent1"/>
+                </a:solidFill>
+              </a:rPr>
+              <a:t>C++ is a superset of C </a:t>
+            </a:r>
+          </a:p>
+          <a:p>
+            <a:r>
+              <a:rPr lang="en-US" dirty="0">
+                <a:solidFill>
+                  <a:schemeClr val="accent1"/>
+                </a:solidFill>
+              </a:rPr>
+              <a:t>The two languages can be used in the same project (executable, shared library).</a:t>
+            </a:r>
+          </a:p>
+          <a:p>
+            <a:r>
+              <a:rPr lang="en-US" dirty="0">
+                <a:solidFill>
+                  <a:schemeClr val="accent1"/>
+                </a:solidFill>
+              </a:rPr>
               <a:t>This makes it easy to migrate a C project to C++ in small steps.</a:t>
             </a:r>
           </a:p>
@@ -3935,7 +3832,7 @@
 </p:sld>
 </file>
 
-<file path=ppt/slides/slide5.xml><?xml version="1.0" encoding="utf-8"?>
+<file path=ppt/slides/slide4.xml><?xml version="1.0" encoding="utf-8"?>
 <p:sld xmlns:a="http://schemas.openxmlformats.org/drawingml/2006/main" xmlns:r="http://schemas.openxmlformats.org/officeDocument/2006/relationships" xmlns:p="http://schemas.openxmlformats.org/presentationml/2006/main">
   <p:cSld>
     <p:spTree>
@@ -4017,49 +3914,89 @@
           <a:lstStyle/>
           <a:p>
             <a:r>
-              <a:rPr lang="en-US" dirty="0"/>
+              <a:rPr lang="en-US" dirty="0">
+                <a:solidFill>
+                  <a:schemeClr val="accent1"/>
+                </a:solidFill>
+              </a:rPr>
               <a:t>In C++ function names are not what they seem.</a:t>
             </a:r>
           </a:p>
           <a:p>
             <a:r>
-              <a:rPr lang="en-US" dirty="0"/>
+              <a:rPr lang="en-US" dirty="0">
+                <a:solidFill>
+                  <a:schemeClr val="accent1"/>
+                </a:solidFill>
+              </a:rPr>
               <a:t>They are mangled to include information about the arguments and their types.</a:t>
             </a:r>
           </a:p>
           <a:p>
             <a:r>
-              <a:rPr lang="en-US" dirty="0"/>
+              <a:rPr lang="en-US" dirty="0">
+                <a:solidFill>
+                  <a:schemeClr val="accent1"/>
+                </a:solidFill>
+              </a:rPr>
               <a:t>You can prevent the compiler from mangling names using extern “C” {}</a:t>
             </a:r>
           </a:p>
           <a:p>
             <a:r>
-              <a:rPr lang="en-US" dirty="0"/>
+              <a:rPr lang="en-US" dirty="0">
+                <a:solidFill>
+                  <a:schemeClr val="accent1"/>
+                </a:solidFill>
+              </a:rPr>
               <a:t>To call the functions in </a:t>
             </a:r>
             <a:r>
-              <a:rPr lang="en-US" dirty="0" err="1"/>
+              <a:rPr lang="en-US" dirty="0" err="1">
+                <a:solidFill>
+                  <a:schemeClr val="accent1"/>
+                </a:solidFill>
+              </a:rPr>
               <a:t>c.h</a:t>
             </a:r>
             <a:r>
-              <a:rPr lang="en-US" dirty="0"/>
+              <a:rPr lang="en-US" dirty="0">
+                <a:solidFill>
+                  <a:schemeClr val="accent1"/>
+                </a:solidFill>
+              </a:rPr>
               <a:t> from </a:t>
             </a:r>
             <a:r>
-              <a:rPr lang="en-US" dirty="0" err="1"/>
+              <a:rPr lang="en-US" dirty="0" err="1">
+                <a:solidFill>
+                  <a:schemeClr val="accent1"/>
+                </a:solidFill>
+              </a:rPr>
               <a:t>c++</a:t>
             </a:r>
             <a:r>
-              <a:rPr lang="en-US" dirty="0"/>
+              <a:rPr lang="en-US" dirty="0">
+                <a:solidFill>
+                  <a:schemeClr val="accent1"/>
+                </a:solidFill>
+              </a:rPr>
               <a:t> you need to wrap the inclusion of </a:t>
             </a:r>
             <a:r>
-              <a:rPr lang="en-US" dirty="0" err="1"/>
+              <a:rPr lang="en-US" dirty="0" err="1">
+                <a:solidFill>
+                  <a:schemeClr val="accent1"/>
+                </a:solidFill>
+              </a:rPr>
               <a:t>c.h</a:t>
             </a:r>
             <a:r>
-              <a:rPr lang="en-US" dirty="0"/>
+              <a:rPr lang="en-US" dirty="0">
+                <a:solidFill>
+                  <a:schemeClr val="accent1"/>
+                </a:solidFill>
+              </a:rPr>
               <a:t> with extern “C” {}</a:t>
             </a:r>
           </a:p>
@@ -4078,7 +4015,7 @@
 </p:sld>
 </file>
 
-<file path=ppt/slides/slide6.xml><?xml version="1.0" encoding="utf-8"?>
+<file path=ppt/slides/slide5.xml><?xml version="1.0" encoding="utf-8"?>
 <p:sld xmlns:a="http://schemas.openxmlformats.org/drawingml/2006/main" xmlns:r="http://schemas.openxmlformats.org/officeDocument/2006/relationships" xmlns:p="http://schemas.openxmlformats.org/presentationml/2006/main">
   <p:cSld>
     <p:spTree>
@@ -4163,26 +4100,46 @@
           <a:lstStyle/>
           <a:p>
             <a:r>
-              <a:rPr lang="en-US" dirty="0"/>
+              <a:rPr lang="en-US" dirty="0">
+                <a:solidFill>
+                  <a:schemeClr val="accent1"/>
+                </a:solidFill>
+              </a:rPr>
               <a:t>For the same reason, you can only call a C++ method from C if it is not name-mangled (or you know it mangled name).</a:t>
             </a:r>
           </a:p>
           <a:p>
             <a:r>
-              <a:rPr lang="en-US" dirty="0"/>
+              <a:rPr lang="en-US" dirty="0">
+                <a:solidFill>
+                  <a:schemeClr val="accent1"/>
+                </a:solidFill>
+              </a:rPr>
               <a:t>For C++ methods wrap the declaration in the header and the implementation in extern “C”</a:t>
             </a:r>
           </a:p>
           <a:p>
             <a:r>
-              <a:rPr lang="en-US" dirty="0"/>
+              <a:rPr lang="en-US" dirty="0">
+                <a:solidFill>
+                  <a:schemeClr val="accent1"/>
+                </a:solidFill>
+              </a:rPr>
               <a:t>As extern “C” is invalid syntax in C, wrap its use with ifdef __</a:t>
             </a:r>
             <a:r>
-              <a:rPr lang="en-US" dirty="0" err="1"/>
+              <a:rPr lang="en-US" dirty="0" err="1">
+                <a:solidFill>
+                  <a:schemeClr val="accent1"/>
+                </a:solidFill>
+              </a:rPr>
               <a:t>cplusplus</a:t>
             </a:r>
-            <a:endParaRPr lang="en-US" dirty="0"/>
+            <a:endParaRPr lang="en-US" dirty="0">
+              <a:solidFill>
+                <a:schemeClr val="accent1"/>
+              </a:solidFill>
+            </a:endParaRPr>
           </a:p>
         </p:txBody>
       </p:sp>
@@ -4301,7 +4258,7 @@
 </p:sld>
 </file>
 
-<file path=ppt/slides/slide7.xml><?xml version="1.0" encoding="utf-8"?>
+<file path=ppt/slides/slide6.xml><?xml version="1.0" encoding="utf-8"?>
 <p:sld xmlns:a="http://schemas.openxmlformats.org/drawingml/2006/main" xmlns:r="http://schemas.openxmlformats.org/officeDocument/2006/relationships" xmlns:p="http://schemas.openxmlformats.org/presentationml/2006/main">
   <p:cSld>
     <p:spTree>
@@ -4386,48 +4343,80 @@
           <a:lstStyle/>
           <a:p>
             <a:r>
-              <a:rPr lang="en-US" dirty="0"/>
+              <a:rPr lang="en-US" dirty="0">
+                <a:solidFill>
+                  <a:schemeClr val="accent1"/>
+                </a:solidFill>
+              </a:rPr>
               <a:t>In a header define a struct.</a:t>
             </a:r>
           </a:p>
           <a:p>
             <a:r>
-              <a:rPr lang="en-US" dirty="0"/>
+              <a:rPr lang="en-US" dirty="0">
+                <a:solidFill>
+                  <a:schemeClr val="accent1"/>
+                </a:solidFill>
+              </a:rPr>
               <a:t>In a c file with the same name, define methods that accept a pointer to the struct as their first parameter (you can call it ‘this’).</a:t>
             </a:r>
           </a:p>
           <a:p>
             <a:r>
-              <a:rPr lang="en-US" dirty="0"/>
+              <a:rPr lang="en-US" dirty="0">
+                <a:solidFill>
+                  <a:schemeClr val="accent1"/>
+                </a:solidFill>
+              </a:rPr>
               <a:t>Define a constructor and a destructor</a:t>
             </a:r>
           </a:p>
           <a:p>
             <a:r>
-              <a:rPr lang="en-US" dirty="0"/>
+              <a:rPr lang="en-US" dirty="0">
+                <a:solidFill>
+                  <a:schemeClr val="accent1"/>
+                </a:solidFill>
+              </a:rPr>
               <a:t>In the header declare the methods you want public.</a:t>
             </a:r>
           </a:p>
           <a:p>
             <a:r>
-              <a:rPr lang="en-US" dirty="0"/>
+              <a:rPr lang="en-US" dirty="0">
+                <a:solidFill>
+                  <a:schemeClr val="accent1"/>
+                </a:solidFill>
+              </a:rPr>
               <a:t>Do not declare the methods you want private </a:t>
             </a:r>
           </a:p>
           <a:p>
             <a:r>
-              <a:rPr lang="en-US" dirty="0"/>
+              <a:rPr lang="en-US" dirty="0">
+                <a:solidFill>
+                  <a:schemeClr val="accent1"/>
+                </a:solidFill>
+              </a:rPr>
               <a:t>In the source file mark the methods you want private as static.</a:t>
             </a:r>
           </a:p>
           <a:p>
             <a:r>
-              <a:rPr lang="en-US" dirty="0"/>
+              <a:rPr lang="en-US" dirty="0">
+                <a:solidFill>
+                  <a:schemeClr val="accent1"/>
+                </a:solidFill>
+              </a:rPr>
               <a:t>You can define an interface as a struct containing pointers to functions.</a:t>
             </a:r>
           </a:p>
           <a:p>
-            <a:endParaRPr lang="en-US" dirty="0"/>
+            <a:endParaRPr lang="en-US" dirty="0">
+              <a:solidFill>
+                <a:schemeClr val="accent1"/>
+              </a:solidFill>
+            </a:endParaRPr>
           </a:p>
         </p:txBody>
       </p:sp>
@@ -4444,7 +4433,7 @@
 </p:sld>
 </file>
 
-<file path=ppt/slides/slide8.xml><?xml version="1.0" encoding="utf-8"?>
+<file path=ppt/slides/slide7.xml><?xml version="1.0" encoding="utf-8"?>
 <p:sld xmlns:a="http://schemas.openxmlformats.org/drawingml/2006/main" xmlns:r="http://schemas.openxmlformats.org/officeDocument/2006/relationships" xmlns:p="http://schemas.openxmlformats.org/presentationml/2006/main">
   <p:cSld>
     <p:spTree>
@@ -4551,7 +4540,7 @@
 </p:sld>
 </file>
 
-<file path=ppt/slides/slide9.xml><?xml version="1.0" encoding="utf-8"?>
+<file path=ppt/slides/slide8.xml><?xml version="1.0" encoding="utf-8"?>
 <p:sld xmlns:a="http://schemas.openxmlformats.org/drawingml/2006/main" xmlns:r="http://schemas.openxmlformats.org/officeDocument/2006/relationships" xmlns:p="http://schemas.openxmlformats.org/presentationml/2006/main">
   <p:cSld>
     <p:spTree>
@@ -4644,6 +4633,108 @@
     <p:extLst>
       <p:ext uri="{BB962C8B-B14F-4D97-AF65-F5344CB8AC3E}">
         <p14:creationId xmlns:p14="http://schemas.microsoft.com/office/powerpoint/2010/main" val="2282883155"/>
+      </p:ext>
+    </p:extLst>
+  </p:cSld>
+  <p:clrMapOvr>
+    <a:masterClrMapping/>
+  </p:clrMapOvr>
+</p:sld>
+</file>
+
+<file path=ppt/slides/slide9.xml><?xml version="1.0" encoding="utf-8"?>
+<p:sld xmlns:a="http://schemas.openxmlformats.org/drawingml/2006/main" xmlns:r="http://schemas.openxmlformats.org/officeDocument/2006/relationships" xmlns:p="http://schemas.openxmlformats.org/presentationml/2006/main">
+  <p:cSld>
+    <p:spTree>
+      <p:nvGrpSpPr>
+        <p:cNvPr id="1" name="">
+          <a:extLst>
+            <a:ext uri="{FF2B5EF4-FFF2-40B4-BE49-F238E27FC236}">
+              <a16:creationId xmlns:a16="http://schemas.microsoft.com/office/drawing/2014/main" id="{B86EECCA-E80D-8529-4EBB-733043DF8EBD}"/>
+            </a:ext>
+          </a:extLst>
+        </p:cNvPr>
+        <p:cNvGrpSpPr/>
+        <p:nvPr/>
+      </p:nvGrpSpPr>
+      <p:grpSpPr>
+        <a:xfrm>
+          <a:off x="0" y="0"/>
+          <a:ext cx="0" cy="0"/>
+          <a:chOff x="0" y="0"/>
+          <a:chExt cx="0" cy="0"/>
+        </a:xfrm>
+      </p:grpSpPr>
+      <p:sp>
+        <p:nvSpPr>
+          <p:cNvPr id="6" name="Title 5">
+            <a:extLst>
+              <a:ext uri="{FF2B5EF4-FFF2-40B4-BE49-F238E27FC236}">
+                <a16:creationId xmlns:a16="http://schemas.microsoft.com/office/drawing/2014/main" id="{4EB1E54E-BCC5-E8F7-C115-70AF7D80E20E}"/>
+              </a:ext>
+            </a:extLst>
+          </p:cNvPr>
+          <p:cNvSpPr>
+            <a:spLocks noGrp="1"/>
+          </p:cNvSpPr>
+          <p:nvPr>
+            <p:ph type="title"/>
+          </p:nvPr>
+        </p:nvSpPr>
+        <p:spPr/>
+        <p:txBody>
+          <a:bodyPr/>
+          <a:lstStyle/>
+          <a:p>
+            <a:r>
+              <a:rPr lang="en-US" dirty="0"/>
+              <a:t>The </a:t>
+            </a:r>
+            <a:r>
+              <a:rPr lang="en-US" dirty="0" err="1"/>
+              <a:t>FileLogger</a:t>
+            </a:r>
+            <a:r>
+              <a:rPr lang="en-US" dirty="0"/>
+              <a:t> implementation</a:t>
+            </a:r>
+          </a:p>
+        </p:txBody>
+      </p:sp>
+      <p:pic>
+        <p:nvPicPr>
+          <p:cNvPr id="3" name="Picture 2">
+            <a:extLst>
+              <a:ext uri="{FF2B5EF4-FFF2-40B4-BE49-F238E27FC236}">
+                <a16:creationId xmlns:a16="http://schemas.microsoft.com/office/drawing/2014/main" id="{CC119B4C-1A0A-C0FE-CB1A-FBE103241042}"/>
+              </a:ext>
+            </a:extLst>
+          </p:cNvPr>
+          <p:cNvPicPr>
+            <a:picLocks noChangeAspect="1"/>
+          </p:cNvPicPr>
+          <p:nvPr/>
+        </p:nvPicPr>
+        <p:blipFill>
+          <a:blip r:embed="rId2"/>
+          <a:stretch>
+            <a:fillRect/>
+          </a:stretch>
+        </p:blipFill>
+        <p:spPr>
+          <a:xfrm>
+            <a:off x="304799" y="1586705"/>
+            <a:ext cx="8031833" cy="4433095"/>
+          </a:xfrm>
+          <a:prstGeom prst="rect">
+            <a:avLst/>
+          </a:prstGeom>
+        </p:spPr>
+      </p:pic>
+    </p:spTree>
+    <p:extLst>
+      <p:ext uri="{BB962C8B-B14F-4D97-AF65-F5344CB8AC3E}">
+        <p14:creationId xmlns:p14="http://schemas.microsoft.com/office/powerpoint/2010/main" val="2639532249"/>
       </p:ext>
     </p:extLst>
   </p:cSld>
